--- a/Presentation.pptx
+++ b/Presentation.pptx
@@ -6,7 +6,7 @@
     <p:sldMasterId id="2147483663" r:id="rId8"/>
   </p:sldMasterIdLst>
   <p:notesMasterIdLst>
-    <p:notesMasterId r:id="rId22"/>
+    <p:notesMasterId r:id="rId24"/>
   </p:notesMasterIdLst>
   <p:sldIdLst>
     <p:sldId id="475" r:id="rId9"/>
@@ -16,12 +16,14 @@
     <p:sldId id="478" r:id="rId13"/>
     <p:sldId id="482" r:id="rId14"/>
     <p:sldId id="483" r:id="rId15"/>
-    <p:sldId id="480" r:id="rId16"/>
-    <p:sldId id="484" r:id="rId17"/>
-    <p:sldId id="485" r:id="rId18"/>
-    <p:sldId id="486" r:id="rId19"/>
-    <p:sldId id="487" r:id="rId20"/>
-    <p:sldId id="479" r:id="rId21"/>
+    <p:sldId id="484" r:id="rId16"/>
+    <p:sldId id="485" r:id="rId17"/>
+    <p:sldId id="486" r:id="rId18"/>
+    <p:sldId id="487" r:id="rId19"/>
+    <p:sldId id="488" r:id="rId20"/>
+    <p:sldId id="490" r:id="rId21"/>
+    <p:sldId id="489" r:id="rId22"/>
+    <p:sldId id="479" r:id="rId23"/>
   </p:sldIdLst>
   <p:sldSz cx="9144000" cy="6858000" type="screen4x3"/>
   <p:notesSz cx="6858000" cy="9144000"/>
@@ -277,7 +279,7 @@
             <a:fld id="{E452AB20-22D9-4447-81AC-92CB7A4DD83D}" type="datetimeFigureOut">
               <a:rPr lang="en-US"/>
               <a:pPr/>
-              <a:t>10/3/2013</a:t>
+              <a:t>10/5/2013</a:t>
             </a:fld>
             <a:endParaRPr lang="en-US" dirty="0"/>
           </a:p>
@@ -898,6 +900,26 @@
           <a:bodyPr/>
           <a:lstStyle/>
           <a:p>
+            <a:r>
+              <a:rPr lang="en-US" dirty="0" smtClean="0"/>
+              <a:t>Install</a:t>
+            </a:r>
+            <a:r>
+              <a:rPr lang="en-US" baseline="0" dirty="0" smtClean="0"/>
+              <a:t> </a:t>
+            </a:r>
+            <a:r>
+              <a:rPr lang="en-US" baseline="0" dirty="0" err="1" smtClean="0"/>
+              <a:t>RabbitMQ</a:t>
+            </a:r>
+            <a:r>
+              <a:rPr lang="en-US" baseline="0" dirty="0" smtClean="0"/>
+              <a:t> In </a:t>
+            </a:r>
+            <a:r>
+              <a:rPr lang="en-US" baseline="0" smtClean="0"/>
+              <a:t>the Cloud</a:t>
+            </a:r>
             <a:endParaRPr lang="en-US"/>
           </a:p>
         </p:txBody>
@@ -920,7 +942,7 @@
             <a:fld id="{E11CC376-FCE3-43E6-9084-A06F48DD94F9}" type="slidenum">
               <a:rPr lang="en-US" smtClean="0"/>
               <a:pPr/>
-              <a:t>8</a:t>
+              <a:t>14</a:t>
             </a:fld>
             <a:endParaRPr lang="en-US" dirty="0"/>
           </a:p>
@@ -929,7 +951,7 @@
     </p:spTree>
     <p:extLst>
       <p:ext uri="{BB962C8B-B14F-4D97-AF65-F5344CB8AC3E}">
-        <p14:creationId xmlns:p14="http://schemas.microsoft.com/office/powerpoint/2010/main" val="3343822156"/>
+        <p14:creationId xmlns:p14="http://schemas.microsoft.com/office/powerpoint/2010/main" val="1702100180"/>
       </p:ext>
     </p:extLst>
   </p:cSld>
@@ -1005,7 +1027,7 @@
             <a:fld id="{E11CC376-FCE3-43E6-9084-A06F48DD94F9}" type="slidenum">
               <a:rPr lang="en-US" smtClean="0"/>
               <a:pPr/>
-              <a:t>13</a:t>
+              <a:t>15</a:t>
             </a:fld>
             <a:endParaRPr lang="en-US" dirty="0"/>
           </a:p>
@@ -5733,141 +5755,6 @@
           <a:p>
             <a:r>
               <a:rPr lang="en-US" dirty="0" smtClean="0"/>
-              <a:t>When</a:t>
-            </a:r>
-            <a:endParaRPr lang="en-US" dirty="0"/>
-          </a:p>
-        </p:txBody>
-      </p:sp>
-      <p:sp>
-        <p:nvSpPr>
-          <p:cNvPr id="3" name="Content Placeholder 2"/>
-          <p:cNvSpPr>
-            <a:spLocks noGrp="1"/>
-          </p:cNvSpPr>
-          <p:nvPr>
-            <p:ph idx="1"/>
-          </p:nvPr>
-        </p:nvSpPr>
-        <p:spPr>
-          <a:xfrm>
-            <a:off x="152400" y="1295400"/>
-            <a:ext cx="8229600" cy="4800600"/>
-          </a:xfrm>
-        </p:spPr>
-        <p:txBody>
-          <a:bodyPr/>
-          <a:lstStyle/>
-          <a:p>
-            <a:r>
-              <a:rPr lang="en-US" dirty="0" smtClean="0"/>
-              <a:t>Many systems to Integrate</a:t>
-            </a:r>
-          </a:p>
-          <a:p>
-            <a:r>
-              <a:rPr lang="en-US" dirty="0" smtClean="0"/>
-              <a:t>Long running processes</a:t>
-            </a:r>
-          </a:p>
-          <a:p>
-            <a:r>
-              <a:rPr lang="en-US" dirty="0"/>
-              <a:t>	</a:t>
-            </a:r>
-            <a:r>
-              <a:rPr lang="en-US" dirty="0" smtClean="0"/>
-              <a:t>Video processing</a:t>
-            </a:r>
-          </a:p>
-          <a:p>
-            <a:r>
-              <a:rPr lang="en-US" dirty="0"/>
-              <a:t>	</a:t>
-            </a:r>
-            <a:r>
-              <a:rPr lang="en-US" dirty="0" smtClean="0"/>
-              <a:t>Database operation</a:t>
-            </a:r>
-          </a:p>
-          <a:p>
-            <a:r>
-              <a:rPr lang="en-US" dirty="0"/>
-              <a:t>	</a:t>
-            </a:r>
-            <a:r>
-              <a:rPr lang="en-US" dirty="0" smtClean="0"/>
-              <a:t>File operations</a:t>
-            </a:r>
-          </a:p>
-          <a:p>
-            <a:r>
-              <a:rPr lang="en-US" dirty="0" smtClean="0"/>
-              <a:t>Many Platforms</a:t>
-            </a:r>
-          </a:p>
-          <a:p>
-            <a:r>
-              <a:rPr lang="en-US" dirty="0" smtClean="0"/>
-              <a:t>Requirement for low temporal, spatial and platform coupling</a:t>
-            </a:r>
-          </a:p>
-          <a:p>
-            <a:endParaRPr lang="en-US" dirty="0" smtClean="0"/>
-          </a:p>
-          <a:p>
-            <a:endParaRPr lang="en-US" dirty="0"/>
-          </a:p>
-        </p:txBody>
-      </p:sp>
-    </p:spTree>
-    <p:extLst>
-      <p:ext uri="{BB962C8B-B14F-4D97-AF65-F5344CB8AC3E}">
-        <p14:creationId xmlns:p14="http://schemas.microsoft.com/office/powerpoint/2010/main" val="3796166909"/>
-      </p:ext>
-    </p:extLst>
-  </p:cSld>
-  <p:clrMapOvr>
-    <a:masterClrMapping/>
-  </p:clrMapOvr>
-  <p:transition/>
-</p:sld>
-</file>
-
-<file path=ppt/slides/slide11.xml><?xml version="1.0" encoding="utf-8"?>
-<p:sld xmlns:a="http://schemas.openxmlformats.org/drawingml/2006/main" xmlns:r="http://schemas.openxmlformats.org/officeDocument/2006/relationships" xmlns:p="http://schemas.openxmlformats.org/presentationml/2006/main">
-  <p:cSld>
-    <p:spTree>
-      <p:nvGrpSpPr>
-        <p:cNvPr id="1" name=""/>
-        <p:cNvGrpSpPr/>
-        <p:nvPr/>
-      </p:nvGrpSpPr>
-      <p:grpSpPr>
-        <a:xfrm>
-          <a:off x="0" y="0"/>
-          <a:ext cx="0" cy="0"/>
-          <a:chOff x="0" y="0"/>
-          <a:chExt cx="0" cy="0"/>
-        </a:xfrm>
-      </p:grpSpPr>
-      <p:sp>
-        <p:nvSpPr>
-          <p:cNvPr id="2" name="Title 1"/>
-          <p:cNvSpPr>
-            <a:spLocks noGrp="1"/>
-          </p:cNvSpPr>
-          <p:nvPr>
-            <p:ph type="title"/>
-          </p:nvPr>
-        </p:nvSpPr>
-        <p:spPr/>
-        <p:txBody>
-          <a:bodyPr/>
-          <a:lstStyle/>
-          <a:p>
-            <a:r>
-              <a:rPr lang="en-US" dirty="0" smtClean="0"/>
               <a:t>Broker </a:t>
             </a:r>
             <a:r>
@@ -5934,7 +5821,7 @@
         </p:blipFill>
         <p:spPr>
           <a:xfrm>
-            <a:off x="904875" y="2376487"/>
+            <a:off x="904875" y="2428874"/>
             <a:ext cx="2266950" cy="1962150"/>
           </a:xfrm>
           <a:prstGeom prst="rect">
@@ -6015,10 +5902,1067 @@
           </a:p>
         </p:txBody>
       </p:sp>
+      <p:cxnSp>
+        <p:nvCxnSpPr>
+          <p:cNvPr id="4" name="Straight Connector 3"/>
+          <p:cNvCxnSpPr/>
+          <p:nvPr/>
+        </p:nvCxnSpPr>
+        <p:spPr bwMode="auto">
+          <a:xfrm>
+            <a:off x="4267200" y="1600200"/>
+            <a:ext cx="0" cy="4133851"/>
+          </a:xfrm>
+          <a:prstGeom prst="line">
+            <a:avLst/>
+          </a:prstGeom>
+          <a:noFill/>
+          <a:ln w="9525" cap="flat" cmpd="sng" algn="ctr">
+            <a:solidFill>
+              <a:srgbClr val="31668B"/>
+            </a:solidFill>
+            <a:prstDash val="solid"/>
+            <a:round/>
+            <a:headEnd type="none" w="med" len="med"/>
+            <a:tailEnd type="none" w="med" len="med"/>
+          </a:ln>
+          <a:effectLst/>
+        </p:spPr>
+      </p:cxnSp>
     </p:spTree>
     <p:extLst>
       <p:ext uri="{BB962C8B-B14F-4D97-AF65-F5344CB8AC3E}">
         <p14:creationId xmlns:p14="http://schemas.microsoft.com/office/powerpoint/2010/main" val="2607150801"/>
+      </p:ext>
+    </p:extLst>
+  </p:cSld>
+  <p:clrMapOvr>
+    <a:masterClrMapping/>
+  </p:clrMapOvr>
+  <p:transition/>
+</p:sld>
+</file>
+
+<file path=ppt/slides/slide11.xml><?xml version="1.0" encoding="utf-8"?>
+<p:sld xmlns:a="http://schemas.openxmlformats.org/drawingml/2006/main" xmlns:r="http://schemas.openxmlformats.org/officeDocument/2006/relationships" xmlns:p="http://schemas.openxmlformats.org/presentationml/2006/main">
+  <p:cSld>
+    <p:spTree>
+      <p:nvGrpSpPr>
+        <p:cNvPr id="1" name=""/>
+        <p:cNvGrpSpPr/>
+        <p:nvPr/>
+      </p:nvGrpSpPr>
+      <p:grpSpPr>
+        <a:xfrm>
+          <a:off x="0" y="0"/>
+          <a:ext cx="0" cy="0"/>
+          <a:chOff x="0" y="0"/>
+          <a:chExt cx="0" cy="0"/>
+        </a:xfrm>
+      </p:grpSpPr>
+      <p:sp>
+        <p:nvSpPr>
+          <p:cNvPr id="2" name="Title 1"/>
+          <p:cNvSpPr>
+            <a:spLocks noGrp="1"/>
+          </p:cNvSpPr>
+          <p:nvPr>
+            <p:ph type="title"/>
+          </p:nvPr>
+        </p:nvSpPr>
+        <p:spPr/>
+        <p:txBody>
+          <a:bodyPr/>
+          <a:lstStyle/>
+          <a:p>
+            <a:r>
+              <a:rPr lang="en-US" dirty="0" smtClean="0"/>
+              <a:t>Many Frameworks</a:t>
+            </a:r>
+            <a:endParaRPr lang="en-US" dirty="0"/>
+          </a:p>
+        </p:txBody>
+      </p:sp>
+      <p:sp>
+        <p:nvSpPr>
+          <p:cNvPr id="5" name="Rounded Rectangle 4"/>
+          <p:cNvSpPr/>
+          <p:nvPr/>
+        </p:nvSpPr>
+        <p:spPr bwMode="auto">
+          <a:xfrm>
+            <a:off x="1143000" y="1857376"/>
+            <a:ext cx="2133600" cy="533400"/>
+          </a:xfrm>
+          <a:prstGeom prst="roundRect">
+            <a:avLst/>
+          </a:prstGeom>
+          <a:solidFill>
+            <a:srgbClr val="A1B9FD"/>
+          </a:solidFill>
+          <a:ln w="9525" cap="flat" cmpd="sng" algn="ctr">
+            <a:solidFill>
+              <a:srgbClr val="FF0000"/>
+            </a:solidFill>
+            <a:prstDash val="solid"/>
+            <a:round/>
+            <a:headEnd type="none" w="med" len="med"/>
+            <a:tailEnd type="none" w="med" len="med"/>
+          </a:ln>
+          <a:effectLst/>
+        </p:spPr>
+        <p:txBody>
+          <a:bodyPr vert="horz" wrap="none" lIns="91440" tIns="45720" rIns="91440" bIns="45720" rtlCol="0" anchor="ctr" compatLnSpc="1"/>
+          <a:lstStyle/>
+          <a:p>
+            <a:pPr marL="0" marR="0" indent="0" algn="ctr" defTabSz="914400" rtl="0" eaLnBrk="1" fontAlgn="base" latinLnBrk="0" hangingPunct="1">
+              <a:lnSpc>
+                <a:spcPct val="100000"/>
+              </a:lnSpc>
+              <a:spcBef>
+                <a:spcPct val="0"/>
+              </a:spcBef>
+              <a:spcAft>
+                <a:spcPct val="0"/>
+              </a:spcAft>
+              <a:buNone/>
+              <a:tabLst/>
+            </a:pPr>
+            <a:r>
+              <a:rPr lang="en-US" dirty="0" err="1" smtClean="0">
+                <a:solidFill>
+                  <a:schemeClr val="tx1">
+                    <a:alpha val="100000"/>
+                  </a:schemeClr>
+                </a:solidFill>
+                <a:latin typeface="Arial"/>
+              </a:rPr>
+              <a:t>ZeroMQ</a:t>
+            </a:r>
+            <a:endParaRPr kumimoji="0" lang="en-US" sz="1800" b="0" i="0" u="none" strike="noStrike" baseline="0" dirty="0">
+              <a:solidFill>
+                <a:schemeClr val="tx1">
+                  <a:alpha val="100000"/>
+                </a:schemeClr>
+              </a:solidFill>
+              <a:effectLst/>
+              <a:latin typeface="Arial"/>
+            </a:endParaRPr>
+          </a:p>
+        </p:txBody>
+      </p:sp>
+      <p:sp>
+        <p:nvSpPr>
+          <p:cNvPr id="6" name="Rounded Rectangle 5"/>
+          <p:cNvSpPr/>
+          <p:nvPr/>
+        </p:nvSpPr>
+        <p:spPr bwMode="auto">
+          <a:xfrm>
+            <a:off x="3362325" y="1866901"/>
+            <a:ext cx="2133600" cy="533400"/>
+          </a:xfrm>
+          <a:prstGeom prst="roundRect">
+            <a:avLst/>
+          </a:prstGeom>
+          <a:solidFill>
+            <a:srgbClr val="A1B9FD"/>
+          </a:solidFill>
+          <a:ln w="9525" cap="flat" cmpd="sng" algn="ctr">
+            <a:solidFill>
+              <a:srgbClr val="FF0000"/>
+            </a:solidFill>
+            <a:prstDash val="solid"/>
+            <a:round/>
+            <a:headEnd type="none" w="med" len="med"/>
+            <a:tailEnd type="none" w="med" len="med"/>
+          </a:ln>
+          <a:effectLst/>
+        </p:spPr>
+        <p:txBody>
+          <a:bodyPr vert="horz" wrap="none" lIns="91440" tIns="45720" rIns="91440" bIns="45720" rtlCol="0" anchor="ctr" compatLnSpc="1"/>
+          <a:lstStyle/>
+          <a:p>
+            <a:pPr marL="0" marR="0" indent="0" algn="ctr" defTabSz="914400" rtl="0" eaLnBrk="1" fontAlgn="base" latinLnBrk="0" hangingPunct="1">
+              <a:lnSpc>
+                <a:spcPct val="100000"/>
+              </a:lnSpc>
+              <a:spcBef>
+                <a:spcPct val="0"/>
+              </a:spcBef>
+              <a:spcAft>
+                <a:spcPct val="0"/>
+              </a:spcAft>
+              <a:buNone/>
+              <a:tabLst/>
+            </a:pPr>
+            <a:r>
+              <a:rPr lang="en-US" dirty="0" err="1" smtClean="0">
+                <a:solidFill>
+                  <a:schemeClr val="tx1">
+                    <a:alpha val="100000"/>
+                  </a:schemeClr>
+                </a:solidFill>
+                <a:latin typeface="Arial"/>
+              </a:rPr>
+              <a:t>RabbitMQ</a:t>
+            </a:r>
+            <a:endParaRPr kumimoji="0" lang="en-US" sz="1800" b="0" i="0" u="none" strike="noStrike" baseline="0" dirty="0">
+              <a:solidFill>
+                <a:schemeClr val="tx1">
+                  <a:alpha val="100000"/>
+                </a:schemeClr>
+              </a:solidFill>
+              <a:effectLst/>
+              <a:latin typeface="Arial"/>
+            </a:endParaRPr>
+          </a:p>
+        </p:txBody>
+      </p:sp>
+      <p:sp>
+        <p:nvSpPr>
+          <p:cNvPr id="7" name="Rounded Rectangle 6"/>
+          <p:cNvSpPr/>
+          <p:nvPr/>
+        </p:nvSpPr>
+        <p:spPr bwMode="auto">
+          <a:xfrm>
+            <a:off x="5581650" y="2452688"/>
+            <a:ext cx="2133600" cy="533400"/>
+          </a:xfrm>
+          <a:prstGeom prst="roundRect">
+            <a:avLst/>
+          </a:prstGeom>
+          <a:solidFill>
+            <a:srgbClr val="A1B9FD"/>
+          </a:solidFill>
+          <a:ln w="9525" cap="flat" cmpd="sng" algn="ctr">
+            <a:solidFill>
+              <a:srgbClr val="FF0000"/>
+            </a:solidFill>
+            <a:prstDash val="solid"/>
+            <a:round/>
+            <a:headEnd type="none" w="med" len="med"/>
+            <a:tailEnd type="none" w="med" len="med"/>
+          </a:ln>
+          <a:effectLst/>
+        </p:spPr>
+        <p:txBody>
+          <a:bodyPr vert="horz" wrap="none" lIns="91440" tIns="45720" rIns="91440" bIns="45720" rtlCol="0" anchor="ctr" compatLnSpc="1"/>
+          <a:lstStyle/>
+          <a:p>
+            <a:pPr algn="ctr"/>
+            <a:r>
+              <a:rPr kumimoji="0" lang="en-US" sz="1800" b="0" i="0" u="none" strike="noStrike" baseline="0" dirty="0" err="1" smtClean="0">
+                <a:solidFill>
+                  <a:schemeClr val="tx1">
+                    <a:alpha val="100000"/>
+                  </a:schemeClr>
+                </a:solidFill>
+                <a:effectLst/>
+                <a:latin typeface="Arial"/>
+              </a:rPr>
+              <a:t>CloudAMQP</a:t>
+            </a:r>
+            <a:endParaRPr kumimoji="0" lang="en-US" sz="1800" b="0" i="0" u="none" strike="noStrike" baseline="0" dirty="0">
+              <a:solidFill>
+                <a:schemeClr val="tx1">
+                  <a:alpha val="100000"/>
+                </a:schemeClr>
+              </a:solidFill>
+              <a:effectLst/>
+              <a:latin typeface="Arial"/>
+            </a:endParaRPr>
+          </a:p>
+        </p:txBody>
+      </p:sp>
+      <p:sp>
+        <p:nvSpPr>
+          <p:cNvPr id="8" name="Rounded Rectangle 7"/>
+          <p:cNvSpPr/>
+          <p:nvPr/>
+        </p:nvSpPr>
+        <p:spPr bwMode="auto">
+          <a:xfrm>
+            <a:off x="5581650" y="1866901"/>
+            <a:ext cx="2133600" cy="533400"/>
+          </a:xfrm>
+          <a:prstGeom prst="roundRect">
+            <a:avLst/>
+          </a:prstGeom>
+          <a:solidFill>
+            <a:srgbClr val="A1B9FD"/>
+          </a:solidFill>
+          <a:ln w="9525" cap="flat" cmpd="sng" algn="ctr">
+            <a:solidFill>
+              <a:srgbClr val="FF0000"/>
+            </a:solidFill>
+            <a:prstDash val="solid"/>
+            <a:round/>
+            <a:headEnd type="none" w="med" len="med"/>
+            <a:tailEnd type="none" w="med" len="med"/>
+          </a:ln>
+          <a:effectLst/>
+        </p:spPr>
+        <p:txBody>
+          <a:bodyPr vert="horz" wrap="none" lIns="91440" tIns="45720" rIns="91440" bIns="45720" rtlCol="0" anchor="ctr" compatLnSpc="1"/>
+          <a:lstStyle/>
+          <a:p>
+            <a:pPr marL="0" marR="0" indent="0" algn="ctr" defTabSz="914400" rtl="0" eaLnBrk="1" fontAlgn="base" latinLnBrk="0" hangingPunct="1">
+              <a:lnSpc>
+                <a:spcPct val="100000"/>
+              </a:lnSpc>
+              <a:spcBef>
+                <a:spcPct val="0"/>
+              </a:spcBef>
+              <a:spcAft>
+                <a:spcPct val="0"/>
+              </a:spcAft>
+              <a:buNone/>
+              <a:tabLst/>
+            </a:pPr>
+            <a:r>
+              <a:rPr lang="en-US" dirty="0" smtClean="0">
+                <a:solidFill>
+                  <a:schemeClr val="tx1">
+                    <a:alpha val="100000"/>
+                  </a:schemeClr>
+                </a:solidFill>
+                <a:latin typeface="Arial"/>
+              </a:rPr>
+              <a:t>MS Service Bus</a:t>
+            </a:r>
+            <a:endParaRPr kumimoji="0" lang="en-US" sz="1800" b="0" i="0" u="none" strike="noStrike" baseline="0" dirty="0">
+              <a:solidFill>
+                <a:schemeClr val="tx1">
+                  <a:alpha val="100000"/>
+                </a:schemeClr>
+              </a:solidFill>
+              <a:effectLst/>
+              <a:latin typeface="Arial"/>
+            </a:endParaRPr>
+          </a:p>
+        </p:txBody>
+      </p:sp>
+      <p:sp>
+        <p:nvSpPr>
+          <p:cNvPr id="9" name="Rounded Rectangle 8"/>
+          <p:cNvSpPr/>
+          <p:nvPr/>
+        </p:nvSpPr>
+        <p:spPr bwMode="auto">
+          <a:xfrm>
+            <a:off x="3362325" y="2452688"/>
+            <a:ext cx="2133600" cy="533400"/>
+          </a:xfrm>
+          <a:prstGeom prst="roundRect">
+            <a:avLst/>
+          </a:prstGeom>
+          <a:solidFill>
+            <a:srgbClr val="A1B9FD"/>
+          </a:solidFill>
+          <a:ln w="9525" cap="flat" cmpd="sng" algn="ctr">
+            <a:solidFill>
+              <a:srgbClr val="FF0000"/>
+            </a:solidFill>
+            <a:prstDash val="solid"/>
+            <a:round/>
+            <a:headEnd type="none" w="med" len="med"/>
+            <a:tailEnd type="none" w="med" len="med"/>
+          </a:ln>
+          <a:effectLst/>
+        </p:spPr>
+        <p:txBody>
+          <a:bodyPr vert="horz" wrap="none" lIns="91440" tIns="45720" rIns="91440" bIns="45720" rtlCol="0" anchor="ctr" compatLnSpc="1"/>
+          <a:lstStyle/>
+          <a:p>
+            <a:pPr marL="0" marR="0" indent="0" algn="ctr" defTabSz="914400" rtl="0" eaLnBrk="1" fontAlgn="base" latinLnBrk="0" hangingPunct="1">
+              <a:lnSpc>
+                <a:spcPct val="100000"/>
+              </a:lnSpc>
+              <a:spcBef>
+                <a:spcPct val="0"/>
+              </a:spcBef>
+              <a:spcAft>
+                <a:spcPct val="0"/>
+              </a:spcAft>
+              <a:buNone/>
+              <a:tabLst/>
+            </a:pPr>
+            <a:r>
+              <a:rPr lang="en-US" dirty="0" smtClean="0">
+                <a:solidFill>
+                  <a:schemeClr val="tx1">
+                    <a:alpha val="100000"/>
+                  </a:schemeClr>
+                </a:solidFill>
+                <a:latin typeface="Arial"/>
+              </a:rPr>
+              <a:t>MSMQ</a:t>
+            </a:r>
+            <a:endParaRPr kumimoji="0" lang="en-US" sz="1800" b="0" i="0" u="none" strike="noStrike" baseline="0" dirty="0">
+              <a:solidFill>
+                <a:schemeClr val="tx1">
+                  <a:alpha val="100000"/>
+                </a:schemeClr>
+              </a:solidFill>
+              <a:effectLst/>
+              <a:latin typeface="Arial"/>
+            </a:endParaRPr>
+          </a:p>
+        </p:txBody>
+      </p:sp>
+      <p:sp>
+        <p:nvSpPr>
+          <p:cNvPr id="10" name="Rounded Rectangle 9"/>
+          <p:cNvSpPr/>
+          <p:nvPr/>
+        </p:nvSpPr>
+        <p:spPr bwMode="auto">
+          <a:xfrm>
+            <a:off x="3362325" y="3038475"/>
+            <a:ext cx="2133600" cy="533400"/>
+          </a:xfrm>
+          <a:prstGeom prst="roundRect">
+            <a:avLst/>
+          </a:prstGeom>
+          <a:solidFill>
+            <a:srgbClr val="A1B9FD"/>
+          </a:solidFill>
+          <a:ln w="9525" cap="flat" cmpd="sng" algn="ctr">
+            <a:solidFill>
+              <a:srgbClr val="FF0000"/>
+            </a:solidFill>
+            <a:prstDash val="solid"/>
+            <a:round/>
+            <a:headEnd type="none" w="med" len="med"/>
+            <a:tailEnd type="none" w="med" len="med"/>
+          </a:ln>
+          <a:effectLst/>
+        </p:spPr>
+        <p:txBody>
+          <a:bodyPr vert="horz" wrap="none" lIns="91440" tIns="45720" rIns="91440" bIns="45720" rtlCol="0" anchor="ctr" compatLnSpc="1"/>
+          <a:lstStyle/>
+          <a:p>
+            <a:pPr marL="0" marR="0" indent="0" algn="ctr" defTabSz="914400" rtl="0" eaLnBrk="1" fontAlgn="base" latinLnBrk="0" hangingPunct="1">
+              <a:lnSpc>
+                <a:spcPct val="100000"/>
+              </a:lnSpc>
+              <a:spcBef>
+                <a:spcPct val="0"/>
+              </a:spcBef>
+              <a:spcAft>
+                <a:spcPct val="0"/>
+              </a:spcAft>
+              <a:buNone/>
+              <a:tabLst/>
+            </a:pPr>
+            <a:r>
+              <a:rPr lang="en-US" dirty="0" err="1" smtClean="0">
+                <a:solidFill>
+                  <a:schemeClr val="tx1">
+                    <a:alpha val="100000"/>
+                  </a:schemeClr>
+                </a:solidFill>
+                <a:latin typeface="Arial"/>
+              </a:rPr>
+              <a:t>ActiveMQ</a:t>
+            </a:r>
+            <a:endParaRPr kumimoji="0" lang="en-US" sz="1800" b="0" i="0" u="none" strike="noStrike" baseline="0" dirty="0">
+              <a:solidFill>
+                <a:schemeClr val="tx1">
+                  <a:alpha val="100000"/>
+                </a:schemeClr>
+              </a:solidFill>
+              <a:effectLst/>
+              <a:latin typeface="Arial"/>
+            </a:endParaRPr>
+          </a:p>
+        </p:txBody>
+      </p:sp>
+      <p:sp>
+        <p:nvSpPr>
+          <p:cNvPr id="11" name="Rounded Rectangle 10"/>
+          <p:cNvSpPr/>
+          <p:nvPr/>
+        </p:nvSpPr>
+        <p:spPr bwMode="auto">
+          <a:xfrm>
+            <a:off x="1143000" y="3048000"/>
+            <a:ext cx="2133600" cy="533400"/>
+          </a:xfrm>
+          <a:prstGeom prst="roundRect">
+            <a:avLst/>
+          </a:prstGeom>
+          <a:solidFill>
+            <a:srgbClr val="A1B9FD"/>
+          </a:solidFill>
+          <a:ln w="9525" cap="flat" cmpd="sng" algn="ctr">
+            <a:solidFill>
+              <a:srgbClr val="FF0000"/>
+            </a:solidFill>
+            <a:prstDash val="solid"/>
+            <a:round/>
+            <a:headEnd type="none" w="med" len="med"/>
+            <a:tailEnd type="none" w="med" len="med"/>
+          </a:ln>
+          <a:effectLst/>
+        </p:spPr>
+        <p:txBody>
+          <a:bodyPr vert="horz" wrap="none" lIns="91440" tIns="45720" rIns="91440" bIns="45720" rtlCol="0" anchor="ctr" compatLnSpc="1"/>
+          <a:lstStyle/>
+          <a:p>
+            <a:pPr marL="0" marR="0" indent="0" algn="ctr" defTabSz="914400" rtl="0" eaLnBrk="1" fontAlgn="base" latinLnBrk="0" hangingPunct="1">
+              <a:lnSpc>
+                <a:spcPct val="100000"/>
+              </a:lnSpc>
+              <a:spcBef>
+                <a:spcPct val="0"/>
+              </a:spcBef>
+              <a:spcAft>
+                <a:spcPct val="0"/>
+              </a:spcAft>
+              <a:buNone/>
+              <a:tabLst/>
+            </a:pPr>
+            <a:r>
+              <a:rPr lang="en-US" dirty="0" smtClean="0">
+                <a:solidFill>
+                  <a:schemeClr val="tx1">
+                    <a:alpha val="100000"/>
+                  </a:schemeClr>
+                </a:solidFill>
+                <a:latin typeface="Arial"/>
+              </a:rPr>
+              <a:t>Azure Service Bus</a:t>
+            </a:r>
+            <a:endParaRPr kumimoji="0" lang="en-US" sz="1800" b="0" i="0" u="none" strike="noStrike" baseline="0" dirty="0">
+              <a:solidFill>
+                <a:schemeClr val="tx1">
+                  <a:alpha val="100000"/>
+                </a:schemeClr>
+              </a:solidFill>
+              <a:effectLst/>
+              <a:latin typeface="Arial"/>
+            </a:endParaRPr>
+          </a:p>
+        </p:txBody>
+      </p:sp>
+      <p:sp>
+        <p:nvSpPr>
+          <p:cNvPr id="12" name="Rounded Rectangle 11"/>
+          <p:cNvSpPr/>
+          <p:nvPr/>
+        </p:nvSpPr>
+        <p:spPr bwMode="auto">
+          <a:xfrm>
+            <a:off x="1143000" y="2452688"/>
+            <a:ext cx="2133600" cy="533400"/>
+          </a:xfrm>
+          <a:prstGeom prst="roundRect">
+            <a:avLst/>
+          </a:prstGeom>
+          <a:solidFill>
+            <a:srgbClr val="A1B9FD"/>
+          </a:solidFill>
+          <a:ln w="9525" cap="flat" cmpd="sng" algn="ctr">
+            <a:solidFill>
+              <a:srgbClr val="FF0000"/>
+            </a:solidFill>
+            <a:prstDash val="solid"/>
+            <a:round/>
+            <a:headEnd type="none" w="med" len="med"/>
+            <a:tailEnd type="none" w="med" len="med"/>
+          </a:ln>
+          <a:effectLst/>
+        </p:spPr>
+        <p:txBody>
+          <a:bodyPr vert="horz" wrap="none" lIns="91440" tIns="45720" rIns="91440" bIns="45720" rtlCol="0" anchor="ctr" compatLnSpc="1"/>
+          <a:lstStyle/>
+          <a:p>
+            <a:pPr algn="ctr"/>
+            <a:r>
+              <a:rPr lang="en-US" dirty="0" err="1" smtClean="0">
+                <a:solidFill>
+                  <a:schemeClr val="tx1">
+                    <a:alpha val="100000"/>
+                  </a:schemeClr>
+                </a:solidFill>
+                <a:latin typeface="Arial"/>
+              </a:rPr>
+              <a:t>StormMQ</a:t>
+            </a:r>
+            <a:endParaRPr kumimoji="0" lang="en-US" sz="1800" b="0" i="0" u="none" strike="noStrike" baseline="0" dirty="0">
+              <a:solidFill>
+                <a:schemeClr val="tx1">
+                  <a:alpha val="100000"/>
+                </a:schemeClr>
+              </a:solidFill>
+              <a:effectLst/>
+              <a:latin typeface="Arial"/>
+            </a:endParaRPr>
+          </a:p>
+        </p:txBody>
+      </p:sp>
+      <p:sp>
+        <p:nvSpPr>
+          <p:cNvPr id="13" name="Rounded Rectangle 12"/>
+          <p:cNvSpPr/>
+          <p:nvPr/>
+        </p:nvSpPr>
+        <p:spPr bwMode="auto">
+          <a:xfrm>
+            <a:off x="5581650" y="3028950"/>
+            <a:ext cx="2133600" cy="533400"/>
+          </a:xfrm>
+          <a:prstGeom prst="roundRect">
+            <a:avLst/>
+          </a:prstGeom>
+          <a:solidFill>
+            <a:srgbClr val="A1B9FD"/>
+          </a:solidFill>
+          <a:ln w="9525" cap="flat" cmpd="sng" algn="ctr">
+            <a:solidFill>
+              <a:srgbClr val="FF0000"/>
+            </a:solidFill>
+            <a:prstDash val="solid"/>
+            <a:round/>
+            <a:headEnd type="none" w="med" len="med"/>
+            <a:tailEnd type="none" w="med" len="med"/>
+          </a:ln>
+          <a:effectLst/>
+        </p:spPr>
+        <p:txBody>
+          <a:bodyPr vert="horz" wrap="none" lIns="91440" tIns="45720" rIns="91440" bIns="45720" rtlCol="0" anchor="ctr" compatLnSpc="1"/>
+          <a:lstStyle/>
+          <a:p>
+            <a:pPr algn="ctr"/>
+            <a:r>
+              <a:rPr lang="en-US" dirty="0"/>
+              <a:t>Apache </a:t>
+            </a:r>
+            <a:r>
+              <a:rPr lang="en-US" dirty="0" err="1" smtClean="0"/>
+              <a:t>Qpid</a:t>
+            </a:r>
+            <a:endParaRPr lang="en-US" dirty="0"/>
+          </a:p>
+        </p:txBody>
+      </p:sp>
+      <p:sp>
+        <p:nvSpPr>
+          <p:cNvPr id="14" name="Rounded Rectangle 13"/>
+          <p:cNvSpPr/>
+          <p:nvPr/>
+        </p:nvSpPr>
+        <p:spPr bwMode="auto">
+          <a:xfrm>
+            <a:off x="1143000" y="4286250"/>
+            <a:ext cx="2133600" cy="533400"/>
+          </a:xfrm>
+          <a:prstGeom prst="roundRect">
+            <a:avLst/>
+          </a:prstGeom>
+          <a:solidFill>
+            <a:srgbClr val="A1B9FD"/>
+          </a:solidFill>
+          <a:ln w="9525" cap="flat" cmpd="sng" algn="ctr">
+            <a:solidFill>
+              <a:srgbClr val="FF0000"/>
+            </a:solidFill>
+            <a:prstDash val="solid"/>
+            <a:round/>
+            <a:headEnd type="none" w="med" len="med"/>
+            <a:tailEnd type="none" w="med" len="med"/>
+          </a:ln>
+          <a:effectLst/>
+        </p:spPr>
+        <p:txBody>
+          <a:bodyPr vert="horz" wrap="none" lIns="91440" tIns="45720" rIns="91440" bIns="45720" rtlCol="0" anchor="ctr" compatLnSpc="1"/>
+          <a:lstStyle/>
+          <a:p>
+            <a:pPr marL="0" marR="0" indent="0" algn="ctr" defTabSz="914400" rtl="0" eaLnBrk="1" fontAlgn="base" latinLnBrk="0" hangingPunct="1">
+              <a:lnSpc>
+                <a:spcPct val="100000"/>
+              </a:lnSpc>
+              <a:spcBef>
+                <a:spcPct val="0"/>
+              </a:spcBef>
+              <a:spcAft>
+                <a:spcPct val="0"/>
+              </a:spcAft>
+              <a:buNone/>
+              <a:tabLst/>
+            </a:pPr>
+            <a:r>
+              <a:rPr lang="en-US" dirty="0" smtClean="0">
+                <a:solidFill>
+                  <a:schemeClr val="tx1">
+                    <a:alpha val="100000"/>
+                  </a:schemeClr>
+                </a:solidFill>
+                <a:latin typeface="Arial"/>
+              </a:rPr>
+              <a:t>NServiceBus</a:t>
+            </a:r>
+            <a:endParaRPr kumimoji="0" lang="en-US" sz="1800" b="0" i="0" u="none" strike="noStrike" baseline="0" dirty="0">
+              <a:solidFill>
+                <a:schemeClr val="tx1">
+                  <a:alpha val="100000"/>
+                </a:schemeClr>
+              </a:solidFill>
+              <a:effectLst/>
+              <a:latin typeface="Arial"/>
+            </a:endParaRPr>
+          </a:p>
+        </p:txBody>
+      </p:sp>
+      <p:sp>
+        <p:nvSpPr>
+          <p:cNvPr id="15" name="Rounded Rectangle 14"/>
+          <p:cNvSpPr/>
+          <p:nvPr/>
+        </p:nvSpPr>
+        <p:spPr bwMode="auto">
+          <a:xfrm>
+            <a:off x="3362325" y="4286250"/>
+            <a:ext cx="2133600" cy="533400"/>
+          </a:xfrm>
+          <a:prstGeom prst="roundRect">
+            <a:avLst/>
+          </a:prstGeom>
+          <a:solidFill>
+            <a:srgbClr val="A1B9FD"/>
+          </a:solidFill>
+          <a:ln w="9525" cap="flat" cmpd="sng" algn="ctr">
+            <a:solidFill>
+              <a:srgbClr val="FF0000"/>
+            </a:solidFill>
+            <a:prstDash val="solid"/>
+            <a:round/>
+            <a:headEnd type="none" w="med" len="med"/>
+            <a:tailEnd type="none" w="med" len="med"/>
+          </a:ln>
+          <a:effectLst/>
+        </p:spPr>
+        <p:txBody>
+          <a:bodyPr vert="horz" wrap="none" lIns="91440" tIns="45720" rIns="91440" bIns="45720" rtlCol="0" anchor="ctr" compatLnSpc="1"/>
+          <a:lstStyle/>
+          <a:p>
+            <a:pPr marL="0" marR="0" indent="0" algn="ctr" defTabSz="914400" rtl="0" eaLnBrk="1" fontAlgn="base" latinLnBrk="0" hangingPunct="1">
+              <a:lnSpc>
+                <a:spcPct val="100000"/>
+              </a:lnSpc>
+              <a:spcBef>
+                <a:spcPct val="0"/>
+              </a:spcBef>
+              <a:spcAft>
+                <a:spcPct val="0"/>
+              </a:spcAft>
+              <a:buNone/>
+              <a:tabLst/>
+            </a:pPr>
+            <a:r>
+              <a:rPr lang="en-US" dirty="0" err="1" smtClean="0">
+                <a:solidFill>
+                  <a:schemeClr val="tx1">
+                    <a:alpha val="100000"/>
+                  </a:schemeClr>
+                </a:solidFill>
+                <a:latin typeface="Arial"/>
+              </a:rPr>
+              <a:t>EasyNetQ</a:t>
+            </a:r>
+            <a:endParaRPr kumimoji="0" lang="en-US" sz="1800" b="0" i="0" u="none" strike="noStrike" baseline="0" dirty="0">
+              <a:solidFill>
+                <a:schemeClr val="tx1">
+                  <a:alpha val="100000"/>
+                </a:schemeClr>
+              </a:solidFill>
+              <a:effectLst/>
+              <a:latin typeface="Arial"/>
+            </a:endParaRPr>
+          </a:p>
+        </p:txBody>
+      </p:sp>
+      <p:sp>
+        <p:nvSpPr>
+          <p:cNvPr id="16" name="Rounded Rectangle 15"/>
+          <p:cNvSpPr/>
+          <p:nvPr/>
+        </p:nvSpPr>
+        <p:spPr bwMode="auto">
+          <a:xfrm>
+            <a:off x="5581650" y="4286250"/>
+            <a:ext cx="2133600" cy="533400"/>
+          </a:xfrm>
+          <a:prstGeom prst="roundRect">
+            <a:avLst/>
+          </a:prstGeom>
+          <a:solidFill>
+            <a:srgbClr val="A1B9FD"/>
+          </a:solidFill>
+          <a:ln w="9525" cap="flat" cmpd="sng" algn="ctr">
+            <a:solidFill>
+              <a:srgbClr val="FF0000"/>
+            </a:solidFill>
+            <a:prstDash val="solid"/>
+            <a:round/>
+            <a:headEnd type="none" w="med" len="med"/>
+            <a:tailEnd type="none" w="med" len="med"/>
+          </a:ln>
+          <a:effectLst/>
+        </p:spPr>
+        <p:txBody>
+          <a:bodyPr vert="horz" wrap="none" lIns="91440" tIns="45720" rIns="91440" bIns="45720" rtlCol="0" anchor="ctr" compatLnSpc="1"/>
+          <a:lstStyle/>
+          <a:p>
+            <a:pPr marL="0" marR="0" indent="0" algn="ctr" defTabSz="914400" rtl="0" eaLnBrk="1" fontAlgn="base" latinLnBrk="0" hangingPunct="1">
+              <a:lnSpc>
+                <a:spcPct val="100000"/>
+              </a:lnSpc>
+              <a:spcBef>
+                <a:spcPct val="0"/>
+              </a:spcBef>
+              <a:spcAft>
+                <a:spcPct val="0"/>
+              </a:spcAft>
+              <a:buNone/>
+              <a:tabLst/>
+            </a:pPr>
+            <a:r>
+              <a:rPr lang="en-US" dirty="0" err="1" smtClean="0">
+                <a:solidFill>
+                  <a:schemeClr val="tx1">
+                    <a:alpha val="100000"/>
+                  </a:schemeClr>
+                </a:solidFill>
+                <a:latin typeface="Arial"/>
+              </a:rPr>
+              <a:t>SpringAMQP</a:t>
+            </a:r>
+            <a:endParaRPr kumimoji="0" lang="en-US" sz="1800" b="0" i="0" u="none" strike="noStrike" baseline="0" dirty="0">
+              <a:solidFill>
+                <a:schemeClr val="tx1">
+                  <a:alpha val="100000"/>
+                </a:schemeClr>
+              </a:solidFill>
+              <a:effectLst/>
+              <a:latin typeface="Arial"/>
+            </a:endParaRPr>
+          </a:p>
+        </p:txBody>
+      </p:sp>
+      <p:sp>
+        <p:nvSpPr>
+          <p:cNvPr id="3" name="TextBox 2"/>
+          <p:cNvSpPr txBox="1"/>
+          <p:nvPr/>
+        </p:nvSpPr>
+        <p:spPr>
+          <a:xfrm>
+            <a:off x="228600" y="1465014"/>
+            <a:ext cx="2743200" cy="369332"/>
+          </a:xfrm>
+          <a:prstGeom prst="rect">
+            <a:avLst/>
+          </a:prstGeom>
+          <a:noFill/>
+        </p:spPr>
+        <p:txBody>
+          <a:bodyPr wrap="square" rtlCol="0">
+            <a:spAutoFit/>
+          </a:bodyPr>
+          <a:lstStyle/>
+          <a:p>
+            <a:r>
+              <a:rPr lang="en-US" dirty="0" smtClean="0">
+                <a:solidFill>
+                  <a:srgbClr val="31668B"/>
+                </a:solidFill>
+              </a:rPr>
+              <a:t>Messaging Providers</a:t>
+            </a:r>
+            <a:endParaRPr lang="en-US" dirty="0">
+              <a:solidFill>
+                <a:srgbClr val="31668B"/>
+              </a:solidFill>
+            </a:endParaRPr>
+          </a:p>
+        </p:txBody>
+      </p:sp>
+      <p:sp>
+        <p:nvSpPr>
+          <p:cNvPr id="17" name="TextBox 16"/>
+          <p:cNvSpPr txBox="1"/>
+          <p:nvPr/>
+        </p:nvSpPr>
+        <p:spPr>
+          <a:xfrm>
+            <a:off x="228600" y="3916918"/>
+            <a:ext cx="2743200" cy="369332"/>
+          </a:xfrm>
+          <a:prstGeom prst="rect">
+            <a:avLst/>
+          </a:prstGeom>
+          <a:noFill/>
+        </p:spPr>
+        <p:txBody>
+          <a:bodyPr wrap="square" rtlCol="0">
+            <a:spAutoFit/>
+          </a:bodyPr>
+          <a:lstStyle/>
+          <a:p>
+            <a:r>
+              <a:rPr lang="en-US" dirty="0" smtClean="0">
+                <a:solidFill>
+                  <a:srgbClr val="31668B"/>
+                </a:solidFill>
+              </a:rPr>
+              <a:t>Messaging Abstractions</a:t>
+            </a:r>
+            <a:endParaRPr lang="en-US" dirty="0">
+              <a:solidFill>
+                <a:srgbClr val="31668B"/>
+              </a:solidFill>
+            </a:endParaRPr>
+          </a:p>
+        </p:txBody>
+      </p:sp>
+      <p:sp>
+        <p:nvSpPr>
+          <p:cNvPr id="18" name="TextBox 17"/>
+          <p:cNvSpPr txBox="1"/>
+          <p:nvPr/>
+        </p:nvSpPr>
+        <p:spPr>
+          <a:xfrm>
+            <a:off x="381000" y="5524500"/>
+            <a:ext cx="2743200" cy="369332"/>
+          </a:xfrm>
+          <a:prstGeom prst="rect">
+            <a:avLst/>
+          </a:prstGeom>
+          <a:noFill/>
+        </p:spPr>
+        <p:txBody>
+          <a:bodyPr wrap="square" rtlCol="0">
+            <a:spAutoFit/>
+          </a:bodyPr>
+          <a:lstStyle/>
+          <a:p>
+            <a:r>
+              <a:rPr lang="en-US" dirty="0" smtClean="0">
+                <a:solidFill>
+                  <a:srgbClr val="31668B"/>
+                </a:solidFill>
+              </a:rPr>
+              <a:t>Many </a:t>
+            </a:r>
+            <a:r>
+              <a:rPr lang="en-US" dirty="0" err="1" smtClean="0">
+                <a:solidFill>
+                  <a:srgbClr val="31668B"/>
+                </a:solidFill>
+              </a:rPr>
+              <a:t>Many</a:t>
+            </a:r>
+            <a:r>
+              <a:rPr lang="en-US" dirty="0" smtClean="0">
+                <a:solidFill>
+                  <a:srgbClr val="31668B"/>
+                </a:solidFill>
+              </a:rPr>
+              <a:t> </a:t>
+            </a:r>
+            <a:r>
+              <a:rPr lang="en-US" dirty="0" err="1" smtClean="0">
+                <a:solidFill>
+                  <a:srgbClr val="31668B"/>
+                </a:solidFill>
+              </a:rPr>
+              <a:t>Mor</a:t>
+            </a:r>
+            <a:endParaRPr lang="en-US" dirty="0">
+              <a:solidFill>
+                <a:srgbClr val="31668B"/>
+              </a:solidFill>
+            </a:endParaRPr>
+          </a:p>
+        </p:txBody>
+      </p:sp>
+      <p:sp>
+        <p:nvSpPr>
+          <p:cNvPr id="19" name="Rounded Rectangle 18"/>
+          <p:cNvSpPr/>
+          <p:nvPr/>
+        </p:nvSpPr>
+        <p:spPr bwMode="auto">
+          <a:xfrm>
+            <a:off x="1143000" y="4922282"/>
+            <a:ext cx="2133600" cy="533400"/>
+          </a:xfrm>
+          <a:prstGeom prst="roundRect">
+            <a:avLst/>
+          </a:prstGeom>
+          <a:solidFill>
+            <a:srgbClr val="A1B9FD"/>
+          </a:solidFill>
+          <a:ln w="9525" cap="flat" cmpd="sng" algn="ctr">
+            <a:solidFill>
+              <a:srgbClr val="FF0000"/>
+            </a:solidFill>
+            <a:prstDash val="solid"/>
+            <a:round/>
+            <a:headEnd type="none" w="med" len="med"/>
+            <a:tailEnd type="none" w="med" len="med"/>
+          </a:ln>
+          <a:effectLst/>
+        </p:spPr>
+        <p:txBody>
+          <a:bodyPr vert="horz" wrap="none" lIns="91440" tIns="45720" rIns="91440" bIns="45720" rtlCol="0" anchor="ctr" compatLnSpc="1"/>
+          <a:lstStyle/>
+          <a:p>
+            <a:pPr marL="0" marR="0" indent="0" algn="ctr" defTabSz="914400" rtl="0" eaLnBrk="1" fontAlgn="base" latinLnBrk="0" hangingPunct="1">
+              <a:lnSpc>
+                <a:spcPct val="100000"/>
+              </a:lnSpc>
+              <a:spcBef>
+                <a:spcPct val="0"/>
+              </a:spcBef>
+              <a:spcAft>
+                <a:spcPct val="0"/>
+              </a:spcAft>
+              <a:buNone/>
+              <a:tabLst/>
+            </a:pPr>
+            <a:r>
+              <a:rPr lang="en-US" dirty="0" err="1" smtClean="0">
+                <a:solidFill>
+                  <a:schemeClr val="tx1">
+                    <a:alpha val="100000"/>
+                  </a:schemeClr>
+                </a:solidFill>
+                <a:latin typeface="Arial"/>
+              </a:rPr>
+              <a:t>MassTransit</a:t>
+            </a:r>
+            <a:endParaRPr kumimoji="0" lang="en-US" sz="1800" b="0" i="0" u="none" strike="noStrike" baseline="0" dirty="0">
+              <a:solidFill>
+                <a:schemeClr val="tx1">
+                  <a:alpha val="100000"/>
+                </a:schemeClr>
+              </a:solidFill>
+              <a:effectLst/>
+              <a:latin typeface="Arial"/>
+            </a:endParaRPr>
+          </a:p>
+        </p:txBody>
+      </p:sp>
+    </p:spTree>
+    <p:extLst>
+      <p:ext uri="{BB962C8B-B14F-4D97-AF65-F5344CB8AC3E}">
+        <p14:creationId xmlns:p14="http://schemas.microsoft.com/office/powerpoint/2010/main" val="4047389449"/>
       </p:ext>
     </p:extLst>
   </p:cSld>
@@ -6062,779 +7006,960 @@
           <a:lstStyle/>
           <a:p>
             <a:r>
-              <a:rPr lang="en-US" dirty="0" smtClean="0"/>
-              <a:t>Frameworks</a:t>
-            </a:r>
-            <a:endParaRPr lang="en-US" dirty="0"/>
-          </a:p>
-        </p:txBody>
-      </p:sp>
-      <p:sp>
-        <p:nvSpPr>
-          <p:cNvPr id="5" name="Rounded Rectangle 4"/>
+              <a:rPr lang="en-US" dirty="0"/>
+              <a:t>Careful with That Axe, Eugene</a:t>
+            </a:r>
+          </a:p>
+        </p:txBody>
+      </p:sp>
+      <p:pic>
+        <p:nvPicPr>
+          <p:cNvPr id="1026" name="Picture 2" descr="http://www.clker.com/cliparts/f/d/e/7/119498958977780800stop_sign_right_font_mig_.svg.med.png"/>
+          <p:cNvPicPr>
+            <a:picLocks noChangeAspect="1" noChangeArrowheads="1"/>
+          </p:cNvPicPr>
+          <p:nvPr/>
+        </p:nvPicPr>
+        <p:blipFill>
+          <a:blip r:embed="rId2">
+            <a:extLst>
+              <a:ext uri="{28A0092B-C50C-407E-A947-70E740481C1C}">
+                <a14:useLocalDpi xmlns:a14="http://schemas.microsoft.com/office/drawing/2010/main" val="0"/>
+              </a:ext>
+            </a:extLst>
+          </a:blip>
+          <a:srcRect/>
+          <a:stretch>
+            <a:fillRect/>
+          </a:stretch>
+        </p:blipFill>
+        <p:spPr bwMode="auto">
+          <a:xfrm>
+            <a:off x="85478" y="1197204"/>
+            <a:ext cx="1336675" cy="1336675"/>
+          </a:xfrm>
+          <a:prstGeom prst="rect">
+            <a:avLst/>
+          </a:prstGeom>
+          <a:noFill/>
+          <a:extLst>
+            <a:ext uri="{909E8E84-426E-40DD-AFC4-6F175D3DCCD1}">
+              <a14:hiddenFill xmlns:a14="http://schemas.microsoft.com/office/drawing/2010/main">
+                <a:solidFill>
+                  <a:srgbClr val="FFFFFF"/>
+                </a:solidFill>
+              </a14:hiddenFill>
+            </a:ext>
+          </a:extLst>
+        </p:spPr>
+      </p:pic>
+      <p:sp>
+        <p:nvSpPr>
+          <p:cNvPr id="8" name="Rectangle 7"/>
           <p:cNvSpPr/>
           <p:nvPr/>
         </p:nvSpPr>
-        <p:spPr bwMode="auto">
+        <p:spPr>
           <a:xfrm>
-            <a:off x="1143000" y="1447800"/>
-            <a:ext cx="2133600" cy="533400"/>
+            <a:off x="6999119" y="3985344"/>
+            <a:ext cx="1136850" cy="523220"/>
           </a:xfrm>
-          <a:prstGeom prst="roundRect">
+          <a:prstGeom prst="rect">
             <a:avLst/>
           </a:prstGeom>
-          <a:solidFill>
-            <a:srgbClr val="A1B9FD"/>
-          </a:solidFill>
-          <a:ln w="9525" cap="flat" cmpd="sng" algn="ctr">
-            <a:solidFill>
-              <a:srgbClr val="FF0000"/>
-            </a:solidFill>
-            <a:prstDash val="solid"/>
-            <a:round/>
-            <a:headEnd type="none" w="med" len="med"/>
-            <a:tailEnd type="none" w="med" len="med"/>
-          </a:ln>
-          <a:effectLst/>
+          <a:noFill/>
         </p:spPr>
         <p:txBody>
-          <a:bodyPr vert="horz" wrap="none" lIns="91440" tIns="45720" rIns="91440" bIns="45720" rtlCol="0" anchor="ctr" compatLnSpc="1"/>
+          <a:bodyPr wrap="none" lIns="91440" tIns="45720" rIns="91440" bIns="45720">
+            <a:spAutoFit/>
+          </a:bodyPr>
           <a:lstStyle/>
           <a:p>
-            <a:pPr marL="0" marR="0" indent="0" algn="ctr" defTabSz="914400" rtl="0" eaLnBrk="1" fontAlgn="base" latinLnBrk="0" hangingPunct="1">
-              <a:lnSpc>
-                <a:spcPct val="100000"/>
-              </a:lnSpc>
-              <a:spcBef>
-                <a:spcPct val="0"/>
-              </a:spcBef>
-              <a:spcAft>
-                <a:spcPct val="0"/>
-              </a:spcAft>
-              <a:buNone/>
-              <a:tabLst/>
-            </a:pPr>
-            <a:r>
-              <a:rPr lang="en-US" dirty="0" err="1" smtClean="0">
+            <a:pPr algn="ctr"/>
+            <a:r>
+              <a:rPr lang="en-US" sz="2800" b="1" spc="50" dirty="0" smtClean="0">
+                <a:ln w="9525" cmpd="sng">
+                  <a:solidFill>
+                    <a:schemeClr val="accent1"/>
+                  </a:solidFill>
+                  <a:prstDash val="solid"/>
+                </a:ln>
+                <a:solidFill>
+                  <a:srgbClr val="70AD47">
+                    <a:tint val="1000"/>
+                  </a:srgbClr>
+                </a:solidFill>
+                <a:effectLst>
+                  <a:glow rad="38100">
+                    <a:schemeClr val="accent1">
+                      <a:alpha val="40000"/>
+                    </a:schemeClr>
+                  </a:glow>
+                </a:effectLst>
+              </a:rPr>
+              <a:t>Retry</a:t>
+            </a:r>
+            <a:endParaRPr lang="en-US" sz="2800" b="1" spc="50" dirty="0">
+              <a:ln w="9525" cmpd="sng">
+                <a:solidFill>
+                  <a:schemeClr val="accent1"/>
+                </a:solidFill>
+                <a:prstDash val="solid"/>
+              </a:ln>
+              <a:solidFill>
+                <a:srgbClr val="70AD47">
+                  <a:tint val="1000"/>
+                </a:srgbClr>
+              </a:solidFill>
+              <a:effectLst>
+                <a:glow rad="38100">
+                  <a:schemeClr val="accent1">
+                    <a:alpha val="40000"/>
+                  </a:schemeClr>
+                </a:glow>
+              </a:effectLst>
+            </a:endParaRPr>
+          </a:p>
+        </p:txBody>
+      </p:sp>
+      <p:sp>
+        <p:nvSpPr>
+          <p:cNvPr id="9" name="Rectangle 8"/>
+          <p:cNvSpPr/>
+          <p:nvPr/>
+        </p:nvSpPr>
+        <p:spPr>
+          <a:xfrm rot="20118402">
+            <a:off x="3934007" y="1870367"/>
+            <a:ext cx="3947328" cy="523220"/>
+          </a:xfrm>
+          <a:prstGeom prst="rect">
+            <a:avLst/>
+          </a:prstGeom>
+          <a:noFill/>
+        </p:spPr>
+        <p:txBody>
+          <a:bodyPr wrap="square" lIns="91440" tIns="45720" rIns="91440" bIns="45720">
+            <a:spAutoFit/>
+          </a:bodyPr>
+          <a:lstStyle/>
+          <a:p>
+            <a:pPr algn="ctr"/>
+            <a:r>
+              <a:rPr lang="en-US" sz="2800" b="1" dirty="0" smtClean="0">
+                <a:ln w="12700">
+                  <a:solidFill>
+                    <a:schemeClr val="accent3">
+                      <a:lumMod val="50000"/>
+                    </a:schemeClr>
+                  </a:solidFill>
+                  <a:prstDash val="solid"/>
+                </a:ln>
+                <a:pattFill prst="narHorz">
+                  <a:fgClr>
+                    <a:schemeClr val="accent3"/>
+                  </a:fgClr>
+                  <a:bgClr>
+                    <a:schemeClr val="accent3">
+                      <a:lumMod val="40000"/>
+                      <a:lumOff val="60000"/>
+                    </a:schemeClr>
+                  </a:bgClr>
+                </a:pattFill>
+                <a:effectLst>
+                  <a:innerShdw blurRad="177800">
+                    <a:schemeClr val="accent3">
+                      <a:lumMod val="50000"/>
+                    </a:schemeClr>
+                  </a:innerShdw>
+                </a:effectLst>
+              </a:rPr>
+              <a:t>Idempotent Messages</a:t>
+            </a:r>
+            <a:endParaRPr lang="en-US" sz="2800" b="1" cap="none" spc="0" dirty="0">
+              <a:ln w="12700">
+                <a:solidFill>
+                  <a:schemeClr val="accent3">
+                    <a:lumMod val="50000"/>
+                  </a:schemeClr>
+                </a:solidFill>
+                <a:prstDash val="solid"/>
+              </a:ln>
+              <a:pattFill prst="narHorz">
+                <a:fgClr>
+                  <a:schemeClr val="accent3"/>
+                </a:fgClr>
+                <a:bgClr>
+                  <a:schemeClr val="accent3">
+                    <a:lumMod val="40000"/>
+                    <a:lumOff val="60000"/>
+                  </a:schemeClr>
+                </a:bgClr>
+              </a:pattFill>
+              <a:effectLst>
+                <a:innerShdw blurRad="177800">
+                  <a:schemeClr val="accent3">
+                    <a:lumMod val="50000"/>
+                  </a:schemeClr>
+                </a:innerShdw>
+              </a:effectLst>
+            </a:endParaRPr>
+          </a:p>
+        </p:txBody>
+      </p:sp>
+      <p:sp>
+        <p:nvSpPr>
+          <p:cNvPr id="10" name="Rectangle 9"/>
+          <p:cNvSpPr/>
+          <p:nvPr/>
+        </p:nvSpPr>
+        <p:spPr>
+          <a:xfrm>
+            <a:off x="2881638" y="3134955"/>
+            <a:ext cx="5254331" cy="523220"/>
+          </a:xfrm>
+          <a:prstGeom prst="rect">
+            <a:avLst/>
+          </a:prstGeom>
+          <a:noFill/>
+        </p:spPr>
+        <p:txBody>
+          <a:bodyPr wrap="square" lIns="91440" tIns="45720" rIns="91440" bIns="45720">
+            <a:spAutoFit/>
+          </a:bodyPr>
+          <a:lstStyle/>
+          <a:p>
+            <a:pPr algn="ctr"/>
+            <a:r>
+              <a:rPr lang="en-US" sz="2800" b="1" dirty="0" smtClean="0">
+                <a:ln w="13462">
+                  <a:solidFill>
+                    <a:schemeClr val="bg1"/>
+                  </a:solidFill>
+                  <a:prstDash val="solid"/>
+                </a:ln>
                 <a:solidFill>
                   <a:schemeClr val="tx1">
-                    <a:alpha val="100000"/>
+                    <a:lumMod val="85000"/>
+                    <a:lumOff val="15000"/>
                   </a:schemeClr>
                 </a:solidFill>
-                <a:latin typeface="Arial"/>
+                <a:effectLst>
+                  <a:outerShdw dist="38100" dir="2700000" algn="bl" rotWithShape="0">
+                    <a:schemeClr val="accent5"/>
+                  </a:outerShdw>
+                </a:effectLst>
               </a:rPr>
-              <a:t>ZeroMQ</a:t>
-            </a:r>
-            <a:endParaRPr kumimoji="0" lang="en-US" sz="1800" b="0" i="0" u="none" strike="noStrike" baseline="0" dirty="0">
+              <a:t>Complex Programming Model</a:t>
+            </a:r>
+            <a:endParaRPr lang="en-US" sz="2800" b="1" cap="none" spc="0" dirty="0">
+              <a:ln w="13462">
+                <a:solidFill>
+                  <a:schemeClr val="bg1"/>
+                </a:solidFill>
+                <a:prstDash val="solid"/>
+              </a:ln>
               <a:solidFill>
                 <a:schemeClr val="tx1">
-                  <a:alpha val="100000"/>
+                  <a:lumMod val="85000"/>
+                  <a:lumOff val="15000"/>
+                </a:schemeClr>
+              </a:solidFill>
+              <a:effectLst>
+                <a:outerShdw dist="38100" dir="2700000" algn="bl" rotWithShape="0">
+                  <a:schemeClr val="accent5"/>
+                </a:outerShdw>
+              </a:effectLst>
+            </a:endParaRPr>
+          </a:p>
+        </p:txBody>
+      </p:sp>
+      <p:sp>
+        <p:nvSpPr>
+          <p:cNvPr id="11" name="Rectangle 10"/>
+          <p:cNvSpPr/>
+          <p:nvPr/>
+        </p:nvSpPr>
+        <p:spPr>
+          <a:xfrm rot="20495348">
+            <a:off x="866887" y="4825550"/>
+            <a:ext cx="2898550" cy="523220"/>
+          </a:xfrm>
+          <a:prstGeom prst="rect">
+            <a:avLst/>
+          </a:prstGeom>
+          <a:noFill/>
+        </p:spPr>
+        <p:txBody>
+          <a:bodyPr wrap="none" lIns="91440" tIns="45720" rIns="91440" bIns="45720">
+            <a:spAutoFit/>
+          </a:bodyPr>
+          <a:lstStyle/>
+          <a:p>
+            <a:pPr algn="ctr"/>
+            <a:r>
+              <a:rPr lang="en-US" sz="2800" b="1" dirty="0" smtClean="0">
+                <a:ln w="12700">
+                  <a:solidFill>
+                    <a:schemeClr val="accent3">
+                      <a:lumMod val="50000"/>
+                    </a:schemeClr>
+                  </a:solidFill>
+                  <a:prstDash val="solid"/>
+                </a:ln>
+                <a:pattFill prst="narHorz">
+                  <a:fgClr>
+                    <a:schemeClr val="accent3"/>
+                  </a:fgClr>
+                  <a:bgClr>
+                    <a:schemeClr val="accent3">
+                      <a:lumMod val="40000"/>
+                      <a:lumOff val="60000"/>
+                    </a:schemeClr>
+                  </a:bgClr>
+                </a:pattFill>
+                <a:effectLst>
+                  <a:innerShdw blurRad="177800">
+                    <a:schemeClr val="accent3">
+                      <a:lumMod val="50000"/>
+                    </a:schemeClr>
+                  </a:innerShdw>
+                </a:effectLst>
+              </a:rPr>
+              <a:t>Errors Handling</a:t>
+            </a:r>
+            <a:endParaRPr lang="en-US" sz="2800" b="1" dirty="0">
+              <a:ln w="12700">
+                <a:solidFill>
+                  <a:schemeClr val="accent3">
+                    <a:lumMod val="50000"/>
+                  </a:schemeClr>
+                </a:solidFill>
+                <a:prstDash val="solid"/>
+              </a:ln>
+              <a:pattFill prst="narHorz">
+                <a:fgClr>
+                  <a:schemeClr val="accent3"/>
+                </a:fgClr>
+                <a:bgClr>
+                  <a:schemeClr val="accent3">
+                    <a:lumMod val="40000"/>
+                    <a:lumOff val="60000"/>
+                  </a:schemeClr>
+                </a:bgClr>
+              </a:pattFill>
+              <a:effectLst>
+                <a:innerShdw blurRad="177800">
+                  <a:schemeClr val="accent3">
+                    <a:lumMod val="50000"/>
+                  </a:schemeClr>
+                </a:innerShdw>
+              </a:effectLst>
+            </a:endParaRPr>
+          </a:p>
+        </p:txBody>
+      </p:sp>
+      <p:sp>
+        <p:nvSpPr>
+          <p:cNvPr id="12" name="Rectangle 11"/>
+          <p:cNvSpPr/>
+          <p:nvPr/>
+        </p:nvSpPr>
+        <p:spPr>
+          <a:xfrm>
+            <a:off x="1817198" y="5723361"/>
+            <a:ext cx="1467068" cy="523220"/>
+          </a:xfrm>
+          <a:prstGeom prst="rect">
+            <a:avLst/>
+          </a:prstGeom>
+          <a:noFill/>
+        </p:spPr>
+        <p:txBody>
+          <a:bodyPr wrap="none" lIns="91440" tIns="45720" rIns="91440" bIns="45720">
+            <a:spAutoFit/>
+          </a:bodyPr>
+          <a:lstStyle/>
+          <a:p>
+            <a:pPr algn="ctr"/>
+            <a:r>
+              <a:rPr lang="en-US" sz="2800" b="0" cap="none" spc="0" dirty="0" smtClean="0">
+                <a:ln w="0"/>
+                <a:gradFill>
+                  <a:gsLst>
+                    <a:gs pos="21000">
+                      <a:srgbClr val="53575C"/>
+                    </a:gs>
+                    <a:gs pos="88000">
+                      <a:srgbClr val="C5C7CA"/>
+                    </a:gs>
+                  </a:gsLst>
+                  <a:lin ang="5400000"/>
+                </a:gradFill>
+                <a:effectLst/>
+              </a:rPr>
+              <a:t>Logging</a:t>
+            </a:r>
+            <a:endParaRPr lang="en-US" sz="2800" b="0" cap="none" spc="0" dirty="0">
+              <a:ln w="0"/>
+              <a:gradFill>
+                <a:gsLst>
+                  <a:gs pos="21000">
+                    <a:srgbClr val="53575C"/>
+                  </a:gs>
+                  <a:gs pos="88000">
+                    <a:srgbClr val="C5C7CA"/>
+                  </a:gs>
+                </a:gsLst>
+                <a:lin ang="5400000"/>
+              </a:gradFill>
+              <a:effectLst/>
+            </a:endParaRPr>
+          </a:p>
+        </p:txBody>
+      </p:sp>
+      <p:sp>
+        <p:nvSpPr>
+          <p:cNvPr id="13" name="Rectangle 12"/>
+          <p:cNvSpPr/>
+          <p:nvPr/>
+        </p:nvSpPr>
+        <p:spPr>
+          <a:xfrm>
+            <a:off x="1582409" y="1295825"/>
+            <a:ext cx="2300630" cy="523220"/>
+          </a:xfrm>
+          <a:prstGeom prst="rect">
+            <a:avLst/>
+          </a:prstGeom>
+          <a:noFill/>
+        </p:spPr>
+        <p:txBody>
+          <a:bodyPr wrap="none" lIns="91440" tIns="45720" rIns="91440" bIns="45720">
+            <a:spAutoFit/>
+          </a:bodyPr>
+          <a:lstStyle/>
+          <a:p>
+            <a:pPr algn="ctr"/>
+            <a:r>
+              <a:rPr lang="en-US" sz="2800" b="1" cap="none" spc="0" dirty="0" smtClean="0">
+                <a:ln w="22225">
+                  <a:solidFill>
+                    <a:schemeClr val="accent2"/>
+                  </a:solidFill>
+                  <a:prstDash val="solid"/>
+                </a:ln>
+                <a:solidFill>
+                  <a:schemeClr val="accent2">
+                    <a:lumMod val="40000"/>
+                    <a:lumOff val="60000"/>
+                  </a:schemeClr>
+                </a:solidFill>
+                <a:effectLst/>
+              </a:rPr>
+              <a:t>Serialization</a:t>
+            </a:r>
+            <a:endParaRPr lang="en-US" sz="2800" b="1" cap="none" spc="0" dirty="0">
+              <a:ln w="22225">
+                <a:solidFill>
+                  <a:schemeClr val="accent2"/>
+                </a:solidFill>
+                <a:prstDash val="solid"/>
+              </a:ln>
+              <a:solidFill>
+                <a:schemeClr val="accent2">
+                  <a:lumMod val="40000"/>
+                  <a:lumOff val="60000"/>
                 </a:schemeClr>
               </a:solidFill>
               <a:effectLst/>
-              <a:latin typeface="Arial"/>
             </a:endParaRPr>
           </a:p>
         </p:txBody>
       </p:sp>
       <p:sp>
         <p:nvSpPr>
-          <p:cNvPr id="6" name="Rounded Rectangle 5"/>
+          <p:cNvPr id="14" name="Rectangle 13"/>
           <p:cNvSpPr/>
           <p:nvPr/>
         </p:nvSpPr>
-        <p:spPr bwMode="auto">
-          <a:xfrm>
-            <a:off x="3362325" y="1457325"/>
-            <a:ext cx="2133600" cy="533400"/>
+        <p:spPr>
+          <a:xfrm rot="781597">
+            <a:off x="2742175" y="4280478"/>
+            <a:ext cx="4338046" cy="523220"/>
           </a:xfrm>
-          <a:prstGeom prst="roundRect">
+          <a:prstGeom prst="rect">
             <a:avLst/>
           </a:prstGeom>
-          <a:solidFill>
-            <a:srgbClr val="A1B9FD"/>
-          </a:solidFill>
-          <a:ln w="9525" cap="flat" cmpd="sng" algn="ctr">
-            <a:solidFill>
-              <a:srgbClr val="FF0000"/>
-            </a:solidFill>
-            <a:prstDash val="solid"/>
-            <a:round/>
-            <a:headEnd type="none" w="med" len="med"/>
-            <a:tailEnd type="none" w="med" len="med"/>
-          </a:ln>
-          <a:effectLst/>
+          <a:noFill/>
         </p:spPr>
         <p:txBody>
-          <a:bodyPr vert="horz" wrap="none" lIns="91440" tIns="45720" rIns="91440" bIns="45720" rtlCol="0" anchor="ctr" compatLnSpc="1"/>
+          <a:bodyPr wrap="none" lIns="91440" tIns="45720" rIns="91440" bIns="45720">
+            <a:spAutoFit/>
+          </a:bodyPr>
           <a:lstStyle/>
           <a:p>
-            <a:pPr marL="0" marR="0" indent="0" algn="ctr" defTabSz="914400" rtl="0" eaLnBrk="1" fontAlgn="base" latinLnBrk="0" hangingPunct="1">
-              <a:lnSpc>
-                <a:spcPct val="100000"/>
-              </a:lnSpc>
-              <a:spcBef>
-                <a:spcPct val="0"/>
-              </a:spcBef>
-              <a:spcAft>
-                <a:spcPct val="0"/>
-              </a:spcAft>
-              <a:buNone/>
-              <a:tabLst/>
-            </a:pPr>
-            <a:r>
-              <a:rPr lang="en-US" dirty="0" err="1" smtClean="0">
-                <a:solidFill>
-                  <a:schemeClr val="tx1">
-                    <a:alpha val="100000"/>
+            <a:pPr algn="ctr"/>
+            <a:r>
+              <a:rPr lang="en-US" sz="2800" b="1" cap="none" spc="0" dirty="0" smtClean="0">
+                <a:ln w="9525">
+                  <a:solidFill>
+                    <a:schemeClr val="bg1"/>
+                  </a:solidFill>
+                  <a:prstDash val="solid"/>
+                </a:ln>
+                <a:solidFill>
+                  <a:schemeClr val="tx1"/>
+                </a:solidFill>
+                <a:effectLst>
+                  <a:outerShdw blurRad="12700" dist="38100" dir="2700000" algn="tl" rotWithShape="0">
+                    <a:schemeClr val="bg1">
+                      <a:lumMod val="50000"/>
+                    </a:schemeClr>
+                  </a:outerShdw>
+                </a:effectLst>
+              </a:rPr>
+              <a:t>Performance Monitoring</a:t>
+            </a:r>
+            <a:endParaRPr lang="en-US" sz="2800" b="1" cap="none" spc="0" dirty="0">
+              <a:ln w="9525">
+                <a:solidFill>
+                  <a:schemeClr val="bg1"/>
+                </a:solidFill>
+                <a:prstDash val="solid"/>
+              </a:ln>
+              <a:solidFill>
+                <a:schemeClr val="tx1"/>
+              </a:solidFill>
+              <a:effectLst>
+                <a:outerShdw blurRad="12700" dist="38100" dir="2700000" algn="tl" rotWithShape="0">
+                  <a:schemeClr val="bg1">
+                    <a:lumMod val="50000"/>
                   </a:schemeClr>
-                </a:solidFill>
-                <a:latin typeface="Arial"/>
-              </a:rPr>
-              <a:t>RabbitMQ</a:t>
-            </a:r>
-            <a:endParaRPr kumimoji="0" lang="en-US" sz="1800" b="0" i="0" u="none" strike="noStrike" baseline="0" dirty="0">
-              <a:solidFill>
-                <a:schemeClr val="tx1">
-                  <a:alpha val="100000"/>
-                </a:schemeClr>
-              </a:solidFill>
-              <a:effectLst/>
-              <a:latin typeface="Arial"/>
+                </a:outerShdw>
+              </a:effectLst>
             </a:endParaRPr>
           </a:p>
         </p:txBody>
       </p:sp>
       <p:sp>
         <p:nvSpPr>
-          <p:cNvPr id="7" name="Rounded Rectangle 6"/>
+          <p:cNvPr id="16" name="Rectangle 15"/>
           <p:cNvSpPr/>
           <p:nvPr/>
         </p:nvSpPr>
-        <p:spPr bwMode="auto">
-          <a:xfrm>
-            <a:off x="5581650" y="2043112"/>
-            <a:ext cx="2133600" cy="533400"/>
+        <p:spPr>
+          <a:xfrm rot="757404">
+            <a:off x="6351343" y="2281854"/>
+            <a:ext cx="2222082" cy="523220"/>
           </a:xfrm>
-          <a:prstGeom prst="roundRect">
+          <a:prstGeom prst="rect">
             <a:avLst/>
           </a:prstGeom>
-          <a:solidFill>
-            <a:srgbClr val="A1B9FD"/>
-          </a:solidFill>
-          <a:ln w="9525" cap="flat" cmpd="sng" algn="ctr">
-            <a:solidFill>
-              <a:srgbClr val="FF0000"/>
-            </a:solidFill>
-            <a:prstDash val="solid"/>
-            <a:round/>
-            <a:headEnd type="none" w="med" len="med"/>
-            <a:tailEnd type="none" w="med" len="med"/>
-          </a:ln>
-          <a:effectLst/>
+          <a:noFill/>
         </p:spPr>
         <p:txBody>
-          <a:bodyPr vert="horz" wrap="none" lIns="91440" tIns="45720" rIns="91440" bIns="45720" rtlCol="0" anchor="ctr" compatLnSpc="1"/>
+          <a:bodyPr wrap="none" lIns="91440" tIns="45720" rIns="91440" bIns="45720">
+            <a:spAutoFit/>
+          </a:bodyPr>
           <a:lstStyle/>
           <a:p>
             <a:pPr algn="ctr"/>
             <a:r>
-              <a:rPr kumimoji="0" lang="en-US" sz="1800" b="0" i="0" u="none" strike="noStrike" baseline="0" dirty="0" err="1" smtClean="0">
-                <a:solidFill>
-                  <a:schemeClr val="tx1">
-                    <a:alpha val="100000"/>
-                  </a:schemeClr>
-                </a:solidFill>
-                <a:effectLst/>
-                <a:latin typeface="Arial"/>
+              <a:rPr lang="en-US" sz="2800" b="1" cap="none" spc="0" dirty="0" smtClean="0">
+                <a:ln w="6600">
+                  <a:solidFill>
+                    <a:schemeClr val="accent2"/>
+                  </a:solidFill>
+                  <a:prstDash val="solid"/>
+                </a:ln>
+                <a:solidFill>
+                  <a:srgbClr val="FFFFFF"/>
+                </a:solidFill>
+                <a:effectLst>
+                  <a:outerShdw dist="38100" dir="2700000" algn="tl" rotWithShape="0">
+                    <a:schemeClr val="accent2"/>
+                  </a:outerShdw>
+                </a:effectLst>
               </a:rPr>
-              <a:t>CloudAMQP</a:t>
-            </a:r>
-            <a:endParaRPr kumimoji="0" lang="en-US" sz="1800" b="0" i="0" u="none" strike="noStrike" baseline="0" dirty="0">
+              <a:t>Sequencing</a:t>
+            </a:r>
+            <a:endParaRPr lang="en-US" sz="2800" b="1" cap="none" spc="0" dirty="0">
+              <a:ln w="6600">
+                <a:solidFill>
+                  <a:schemeClr val="accent2"/>
+                </a:solidFill>
+                <a:prstDash val="solid"/>
+              </a:ln>
               <a:solidFill>
-                <a:schemeClr val="tx1">
-                  <a:alpha val="100000"/>
-                </a:schemeClr>
+                <a:srgbClr val="FFFFFF"/>
               </a:solidFill>
-              <a:effectLst/>
-              <a:latin typeface="Arial"/>
+              <a:effectLst>
+                <a:outerShdw dist="38100" dir="2700000" algn="tl" rotWithShape="0">
+                  <a:schemeClr val="accent2"/>
+                </a:outerShdw>
+              </a:effectLst>
             </a:endParaRPr>
           </a:p>
         </p:txBody>
       </p:sp>
       <p:sp>
         <p:nvSpPr>
-          <p:cNvPr id="8" name="Rounded Rectangle 7"/>
+          <p:cNvPr id="17" name="Rectangle 16"/>
           <p:cNvSpPr/>
           <p:nvPr/>
         </p:nvSpPr>
-        <p:spPr bwMode="auto">
-          <a:xfrm>
-            <a:off x="5581650" y="1457325"/>
-            <a:ext cx="2133600" cy="533400"/>
+        <p:spPr>
+          <a:xfrm rot="16200000">
+            <a:off x="6608998" y="3384718"/>
+            <a:ext cx="4299575" cy="523220"/>
           </a:xfrm>
-          <a:prstGeom prst="roundRect">
+          <a:prstGeom prst="rect">
             <a:avLst/>
           </a:prstGeom>
-          <a:solidFill>
-            <a:srgbClr val="A1B9FD"/>
-          </a:solidFill>
-          <a:ln w="9525" cap="flat" cmpd="sng" algn="ctr">
-            <a:solidFill>
-              <a:srgbClr val="FF0000"/>
-            </a:solidFill>
-            <a:prstDash val="solid"/>
-            <a:round/>
-            <a:headEnd type="none" w="med" len="med"/>
-            <a:tailEnd type="none" w="med" len="med"/>
-          </a:ln>
-          <a:effectLst/>
+          <a:noFill/>
         </p:spPr>
         <p:txBody>
-          <a:bodyPr vert="horz" wrap="none" lIns="91440" tIns="45720" rIns="91440" bIns="45720" rtlCol="0" anchor="ctr" compatLnSpc="1"/>
+          <a:bodyPr wrap="none" lIns="91440" tIns="45720" rIns="91440" bIns="45720">
+            <a:spAutoFit/>
+          </a:bodyPr>
           <a:lstStyle/>
           <a:p>
-            <a:pPr marL="0" marR="0" indent="0" algn="ctr" defTabSz="914400" rtl="0" eaLnBrk="1" fontAlgn="base" latinLnBrk="0" hangingPunct="1">
-              <a:lnSpc>
-                <a:spcPct val="100000"/>
-              </a:lnSpc>
-              <a:spcBef>
-                <a:spcPct val="0"/>
-              </a:spcBef>
-              <a:spcAft>
-                <a:spcPct val="0"/>
-              </a:spcAft>
-              <a:buNone/>
-              <a:tabLst/>
-            </a:pPr>
-            <a:r>
-              <a:rPr lang="en-US" dirty="0" smtClean="0">
-                <a:solidFill>
-                  <a:schemeClr val="tx1">
-                    <a:alpha val="100000"/>
+            <a:pPr algn="ctr"/>
+            <a:r>
+              <a:rPr lang="en-US" sz="2800" b="1" dirty="0" smtClean="0">
+                <a:ln w="12700">
+                  <a:solidFill>
+                    <a:schemeClr val="accent3">
+                      <a:lumMod val="50000"/>
+                    </a:schemeClr>
+                  </a:solidFill>
+                  <a:prstDash val="solid"/>
+                </a:ln>
+                <a:pattFill prst="narHorz">
+                  <a:fgClr>
+                    <a:schemeClr val="accent3"/>
+                  </a:fgClr>
+                  <a:bgClr>
+                    <a:schemeClr val="accent3">
+                      <a:lumMod val="40000"/>
+                      <a:lumOff val="60000"/>
+                    </a:schemeClr>
+                  </a:bgClr>
+                </a:pattFill>
+                <a:effectLst>
+                  <a:innerShdw blurRad="177800">
+                    <a:schemeClr val="accent3">
+                      <a:lumMod val="50000"/>
+                    </a:schemeClr>
+                  </a:innerShdw>
+                </a:effectLst>
+              </a:rPr>
+              <a:t>Synchronous Scenarios</a:t>
+            </a:r>
+            <a:endParaRPr lang="en-US" sz="2800" b="1" cap="none" spc="0" dirty="0">
+              <a:ln w="12700">
+                <a:solidFill>
+                  <a:schemeClr val="accent3">
+                    <a:lumMod val="50000"/>
                   </a:schemeClr>
                 </a:solidFill>
-                <a:latin typeface="Arial"/>
-              </a:rPr>
-              <a:t>MS Service Bus</a:t>
-            </a:r>
-            <a:endParaRPr kumimoji="0" lang="en-US" sz="1800" b="0" i="0" u="none" strike="noStrike" baseline="0" dirty="0">
-              <a:solidFill>
-                <a:schemeClr val="tx1">
-                  <a:alpha val="100000"/>
-                </a:schemeClr>
-              </a:solidFill>
-              <a:effectLst/>
-              <a:latin typeface="Arial"/>
+                <a:prstDash val="solid"/>
+              </a:ln>
+              <a:pattFill prst="narHorz">
+                <a:fgClr>
+                  <a:schemeClr val="accent3"/>
+                </a:fgClr>
+                <a:bgClr>
+                  <a:schemeClr val="accent3">
+                    <a:lumMod val="40000"/>
+                    <a:lumOff val="60000"/>
+                  </a:schemeClr>
+                </a:bgClr>
+              </a:pattFill>
+              <a:effectLst>
+                <a:innerShdw blurRad="177800">
+                  <a:schemeClr val="accent3">
+                    <a:lumMod val="50000"/>
+                  </a:schemeClr>
+                </a:innerShdw>
+              </a:effectLst>
             </a:endParaRPr>
           </a:p>
         </p:txBody>
       </p:sp>
       <p:sp>
         <p:nvSpPr>
-          <p:cNvPr id="9" name="Rounded Rectangle 8"/>
+          <p:cNvPr id="18" name="Rectangle 17"/>
           <p:cNvSpPr/>
           <p:nvPr/>
         </p:nvSpPr>
-        <p:spPr bwMode="auto">
-          <a:xfrm>
-            <a:off x="3362325" y="2043112"/>
-            <a:ext cx="2133600" cy="533400"/>
+        <p:spPr>
+          <a:xfrm rot="19751256">
+            <a:off x="1409252" y="2359290"/>
+            <a:ext cx="2665846" cy="461665"/>
           </a:xfrm>
-          <a:prstGeom prst="roundRect">
+          <a:prstGeom prst="rect">
             <a:avLst/>
           </a:prstGeom>
-          <a:solidFill>
-            <a:srgbClr val="A1B9FD"/>
-          </a:solidFill>
-          <a:ln w="9525" cap="flat" cmpd="sng" algn="ctr">
-            <a:solidFill>
-              <a:srgbClr val="FF0000"/>
-            </a:solidFill>
-            <a:prstDash val="solid"/>
-            <a:round/>
-            <a:headEnd type="none" w="med" len="med"/>
-            <a:tailEnd type="none" w="med" len="med"/>
-          </a:ln>
-          <a:effectLst/>
+          <a:noFill/>
         </p:spPr>
         <p:txBody>
-          <a:bodyPr vert="horz" wrap="none" lIns="91440" tIns="45720" rIns="91440" bIns="45720" rtlCol="0" anchor="ctr" compatLnSpc="1"/>
+          <a:bodyPr wrap="square" lIns="91440" tIns="45720" rIns="91440" bIns="45720">
+            <a:spAutoFit/>
+          </a:bodyPr>
           <a:lstStyle/>
           <a:p>
-            <a:pPr marL="0" marR="0" indent="0" algn="ctr" defTabSz="914400" rtl="0" eaLnBrk="1" fontAlgn="base" latinLnBrk="0" hangingPunct="1">
-              <a:lnSpc>
-                <a:spcPct val="100000"/>
-              </a:lnSpc>
-              <a:spcBef>
-                <a:spcPct val="0"/>
-              </a:spcBef>
-              <a:spcAft>
-                <a:spcPct val="0"/>
-              </a:spcAft>
-              <a:buNone/>
-              <a:tabLst/>
-            </a:pPr>
-            <a:r>
-              <a:rPr lang="en-US" dirty="0" smtClean="0">
-                <a:solidFill>
-                  <a:schemeClr val="tx1">
-                    <a:alpha val="100000"/>
+            <a:pPr algn="ctr"/>
+            <a:r>
+              <a:rPr lang="en-US" sz="2400" b="1" cap="none" spc="0" dirty="0" smtClean="0">
+                <a:ln w="12700">
+                  <a:solidFill>
+                    <a:schemeClr val="tx2">
+                      <a:lumMod val="75000"/>
+                    </a:schemeClr>
+                  </a:solidFill>
+                  <a:prstDash val="solid"/>
+                </a:ln>
+                <a:pattFill prst="dkUpDiag">
+                  <a:fgClr>
+                    <a:schemeClr val="tx2"/>
+                  </a:fgClr>
+                  <a:bgClr>
+                    <a:schemeClr val="tx2">
+                      <a:lumMod val="20000"/>
+                      <a:lumOff val="80000"/>
+                    </a:schemeClr>
+                  </a:bgClr>
+                </a:pattFill>
+                <a:effectLst>
+                  <a:outerShdw dist="38100" dir="2640000" algn="bl" rotWithShape="0">
+                    <a:schemeClr val="tx2">
+                      <a:lumMod val="75000"/>
+                    </a:schemeClr>
+                  </a:outerShdw>
+                </a:effectLst>
+              </a:rPr>
+              <a:t>Vendor Lock-In</a:t>
+            </a:r>
+            <a:endParaRPr lang="en-US" sz="2400" b="1" cap="none" spc="0" dirty="0">
+              <a:ln w="12700">
+                <a:solidFill>
+                  <a:schemeClr val="tx2">
+                    <a:lumMod val="75000"/>
                   </a:schemeClr>
                 </a:solidFill>
-                <a:latin typeface="Arial"/>
-              </a:rPr>
-              <a:t>MSMQ</a:t>
-            </a:r>
-            <a:endParaRPr kumimoji="0" lang="en-US" sz="1800" b="0" i="0" u="none" strike="noStrike" baseline="0" dirty="0">
-              <a:solidFill>
-                <a:schemeClr val="tx1">
-                  <a:alpha val="100000"/>
-                </a:schemeClr>
-              </a:solidFill>
-              <a:effectLst/>
-              <a:latin typeface="Arial"/>
+                <a:prstDash val="solid"/>
+              </a:ln>
+              <a:pattFill prst="dkUpDiag">
+                <a:fgClr>
+                  <a:schemeClr val="tx2"/>
+                </a:fgClr>
+                <a:bgClr>
+                  <a:schemeClr val="tx2">
+                    <a:lumMod val="20000"/>
+                    <a:lumOff val="80000"/>
+                  </a:schemeClr>
+                </a:bgClr>
+              </a:pattFill>
+              <a:effectLst>
+                <a:outerShdw dist="38100" dir="2640000" algn="bl" rotWithShape="0">
+                  <a:schemeClr val="tx2">
+                    <a:lumMod val="75000"/>
+                  </a:schemeClr>
+                </a:outerShdw>
+              </a:effectLst>
             </a:endParaRPr>
           </a:p>
         </p:txBody>
       </p:sp>
       <p:sp>
         <p:nvSpPr>
-          <p:cNvPr id="10" name="Rounded Rectangle 9"/>
+          <p:cNvPr id="20" name="Rectangle 19"/>
           <p:cNvSpPr/>
           <p:nvPr/>
         </p:nvSpPr>
-        <p:spPr bwMode="auto">
-          <a:xfrm>
-            <a:off x="3362325" y="2628899"/>
-            <a:ext cx="2133600" cy="533400"/>
+        <p:spPr>
+          <a:xfrm rot="5400000">
+            <a:off x="-656370" y="4322899"/>
+            <a:ext cx="2114681" cy="523220"/>
           </a:xfrm>
-          <a:prstGeom prst="roundRect">
+          <a:prstGeom prst="rect">
             <a:avLst/>
           </a:prstGeom>
-          <a:solidFill>
-            <a:srgbClr val="A1B9FD"/>
-          </a:solidFill>
-          <a:ln w="9525" cap="flat" cmpd="sng" algn="ctr">
-            <a:solidFill>
-              <a:srgbClr val="FF0000"/>
-            </a:solidFill>
-            <a:prstDash val="solid"/>
-            <a:round/>
-            <a:headEnd type="none" w="med" len="med"/>
-            <a:tailEnd type="none" w="med" len="med"/>
-          </a:ln>
-          <a:effectLst/>
+          <a:noFill/>
         </p:spPr>
         <p:txBody>
-          <a:bodyPr vert="horz" wrap="none" lIns="91440" tIns="45720" rIns="91440" bIns="45720" rtlCol="0" anchor="ctr" compatLnSpc="1"/>
+          <a:bodyPr wrap="none" lIns="91440" tIns="45720" rIns="91440" bIns="45720">
+            <a:spAutoFit/>
+          </a:bodyPr>
           <a:lstStyle/>
           <a:p>
-            <a:pPr marL="0" marR="0" indent="0" algn="ctr" defTabSz="914400" rtl="0" eaLnBrk="1" fontAlgn="base" latinLnBrk="0" hangingPunct="1">
-              <a:lnSpc>
-                <a:spcPct val="100000"/>
-              </a:lnSpc>
-              <a:spcBef>
-                <a:spcPct val="0"/>
-              </a:spcBef>
-              <a:spcAft>
-                <a:spcPct val="0"/>
-              </a:spcAft>
-              <a:buNone/>
-              <a:tabLst/>
-            </a:pPr>
-            <a:r>
-              <a:rPr lang="en-US" dirty="0" err="1" smtClean="0">
-                <a:solidFill>
-                  <a:schemeClr val="tx1">
-                    <a:alpha val="100000"/>
+            <a:pPr algn="ctr"/>
+            <a:r>
+              <a:rPr lang="en-US" sz="2800" b="1" spc="50" dirty="0" smtClean="0">
+                <a:ln w="9525" cmpd="sng">
+                  <a:solidFill>
+                    <a:schemeClr val="accent1"/>
+                  </a:solidFill>
+                  <a:prstDash val="solid"/>
+                </a:ln>
+                <a:solidFill>
+                  <a:srgbClr val="70AD47">
+                    <a:tint val="1000"/>
+                  </a:srgbClr>
+                </a:solidFill>
+                <a:effectLst>
+                  <a:glow rad="38100">
+                    <a:schemeClr val="accent1">
+                      <a:alpha val="40000"/>
+                    </a:schemeClr>
+                  </a:glow>
+                </a:effectLst>
+              </a:rPr>
+              <a:t>Dead letter</a:t>
+            </a:r>
+            <a:endParaRPr lang="en-US" sz="2800" b="1" spc="50" dirty="0">
+              <a:ln w="9525" cmpd="sng">
+                <a:solidFill>
+                  <a:schemeClr val="accent1"/>
+                </a:solidFill>
+                <a:prstDash val="solid"/>
+              </a:ln>
+              <a:solidFill>
+                <a:srgbClr val="70AD47">
+                  <a:tint val="1000"/>
+                </a:srgbClr>
+              </a:solidFill>
+              <a:effectLst>
+                <a:glow rad="38100">
+                  <a:schemeClr val="accent1">
+                    <a:alpha val="40000"/>
                   </a:schemeClr>
-                </a:solidFill>
-                <a:latin typeface="Arial"/>
-              </a:rPr>
-              <a:t>ActiveMQ</a:t>
-            </a:r>
-            <a:endParaRPr kumimoji="0" lang="en-US" sz="1800" b="0" i="0" u="none" strike="noStrike" baseline="0" dirty="0">
-              <a:solidFill>
-                <a:schemeClr val="tx1">
-                  <a:alpha val="100000"/>
-                </a:schemeClr>
-              </a:solidFill>
-              <a:effectLst/>
-              <a:latin typeface="Arial"/>
+                </a:glow>
+              </a:effectLst>
             </a:endParaRPr>
           </a:p>
         </p:txBody>
       </p:sp>
       <p:sp>
         <p:nvSpPr>
-          <p:cNvPr id="11" name="Rounded Rectangle 10"/>
+          <p:cNvPr id="23" name="Rectangle 22"/>
           <p:cNvSpPr/>
           <p:nvPr/>
         </p:nvSpPr>
-        <p:spPr bwMode="auto">
-          <a:xfrm>
-            <a:off x="1143000" y="2638424"/>
-            <a:ext cx="2133600" cy="533400"/>
+        <p:spPr>
+          <a:xfrm rot="20196658">
+            <a:off x="3977145" y="5534506"/>
+            <a:ext cx="2347630" cy="523220"/>
           </a:xfrm>
-          <a:prstGeom prst="roundRect">
+          <a:prstGeom prst="rect">
             <a:avLst/>
           </a:prstGeom>
-          <a:solidFill>
-            <a:srgbClr val="A1B9FD"/>
-          </a:solidFill>
-          <a:ln w="9525" cap="flat" cmpd="sng" algn="ctr">
-            <a:solidFill>
-              <a:srgbClr val="FF0000"/>
-            </a:solidFill>
-            <a:prstDash val="solid"/>
-            <a:round/>
-            <a:headEnd type="none" w="med" len="med"/>
-            <a:tailEnd type="none" w="med" len="med"/>
-          </a:ln>
-          <a:effectLst/>
+          <a:noFill/>
         </p:spPr>
         <p:txBody>
-          <a:bodyPr vert="horz" wrap="none" lIns="91440" tIns="45720" rIns="91440" bIns="45720" rtlCol="0" anchor="ctr" compatLnSpc="1"/>
+          <a:bodyPr wrap="none" lIns="91440" tIns="45720" rIns="91440" bIns="45720">
+            <a:spAutoFit/>
+          </a:bodyPr>
           <a:lstStyle/>
           <a:p>
-            <a:pPr marL="0" marR="0" indent="0" algn="ctr" defTabSz="914400" rtl="0" eaLnBrk="1" fontAlgn="base" latinLnBrk="0" hangingPunct="1">
-              <a:lnSpc>
-                <a:spcPct val="100000"/>
-              </a:lnSpc>
-              <a:spcBef>
-                <a:spcPct val="0"/>
-              </a:spcBef>
-              <a:spcAft>
-                <a:spcPct val="0"/>
-              </a:spcAft>
-              <a:buNone/>
-              <a:tabLst/>
-            </a:pPr>
-            <a:r>
-              <a:rPr lang="en-US" dirty="0" smtClean="0">
-                <a:solidFill>
-                  <a:schemeClr val="tx1">
-                    <a:alpha val="100000"/>
-                  </a:schemeClr>
-                </a:solidFill>
-                <a:latin typeface="Arial"/>
+            <a:pPr algn="ctr"/>
+            <a:r>
+              <a:rPr lang="en-US" sz="2800" b="1" dirty="0" smtClean="0">
+                <a:ln w="6600">
+                  <a:solidFill>
+                    <a:schemeClr val="accent2"/>
+                  </a:solidFill>
+                  <a:prstDash val="solid"/>
+                </a:ln>
+                <a:solidFill>
+                  <a:srgbClr val="FFFFFF"/>
+                </a:solidFill>
+                <a:effectLst>
+                  <a:outerShdw dist="38100" dir="2700000" algn="tl" rotWithShape="0">
+                    <a:schemeClr val="accent2"/>
+                  </a:outerShdw>
+                </a:effectLst>
               </a:rPr>
-              <a:t>Azure Service Bus</a:t>
-            </a:r>
-            <a:endParaRPr kumimoji="0" lang="en-US" sz="1800" b="0" i="0" u="none" strike="noStrike" baseline="0" dirty="0">
+              <a:t>Time To Live</a:t>
+            </a:r>
+            <a:endParaRPr lang="en-US" sz="2800" b="1" cap="none" spc="0" dirty="0">
+              <a:ln w="6600">
+                <a:solidFill>
+                  <a:schemeClr val="accent2"/>
+                </a:solidFill>
+                <a:prstDash val="solid"/>
+              </a:ln>
               <a:solidFill>
-                <a:schemeClr val="tx1">
-                  <a:alpha val="100000"/>
-                </a:schemeClr>
+                <a:srgbClr val="FFFFFF"/>
               </a:solidFill>
-              <a:effectLst/>
-              <a:latin typeface="Arial"/>
+              <a:effectLst>
+                <a:outerShdw dist="38100" dir="2700000" algn="tl" rotWithShape="0">
+                  <a:schemeClr val="accent2"/>
+                </a:outerShdw>
+              </a:effectLst>
             </a:endParaRPr>
           </a:p>
         </p:txBody>
       </p:sp>
       <p:sp>
         <p:nvSpPr>
-          <p:cNvPr id="12" name="Rounded Rectangle 11"/>
+          <p:cNvPr id="25" name="Rectangle 24"/>
           <p:cNvSpPr/>
           <p:nvPr/>
         </p:nvSpPr>
-        <p:spPr bwMode="auto">
-          <a:xfrm>
-            <a:off x="1143000" y="2043112"/>
-            <a:ext cx="2133600" cy="533400"/>
+        <p:spPr>
+          <a:xfrm rot="221772">
+            <a:off x="989655" y="3985344"/>
+            <a:ext cx="1393543" cy="523220"/>
           </a:xfrm>
-          <a:prstGeom prst="roundRect">
+          <a:prstGeom prst="rect">
             <a:avLst/>
           </a:prstGeom>
-          <a:solidFill>
-            <a:srgbClr val="A1B9FD"/>
-          </a:solidFill>
-          <a:ln w="9525" cap="flat" cmpd="sng" algn="ctr">
-            <a:solidFill>
-              <a:srgbClr val="FF0000"/>
-            </a:solidFill>
-            <a:prstDash val="solid"/>
-            <a:round/>
-            <a:headEnd type="none" w="med" len="med"/>
-            <a:tailEnd type="none" w="med" len="med"/>
-          </a:ln>
-          <a:effectLst/>
+          <a:noFill/>
         </p:spPr>
         <p:txBody>
-          <a:bodyPr vert="horz" wrap="none" lIns="91440" tIns="45720" rIns="91440" bIns="45720" rtlCol="0" anchor="ctr" compatLnSpc="1"/>
+          <a:bodyPr wrap="square" lIns="91440" tIns="45720" rIns="91440" bIns="45720">
+            <a:spAutoFit/>
+          </a:bodyPr>
           <a:lstStyle/>
           <a:p>
             <a:pPr algn="ctr"/>
             <a:r>
-              <a:rPr lang="en-US" dirty="0" err="1" smtClean="0">
-                <a:solidFill>
-                  <a:schemeClr val="tx1">
-                    <a:alpha val="100000"/>
-                  </a:schemeClr>
-                </a:solidFill>
-                <a:latin typeface="Arial"/>
+              <a:rPr lang="en-US" sz="2800" b="1" dirty="0" smtClean="0">
+                <a:ln w="13462">
+                  <a:solidFill>
+                    <a:schemeClr val="bg1"/>
+                  </a:solidFill>
+                  <a:prstDash val="solid"/>
+                </a:ln>
+                <a:solidFill>
+                  <a:srgbClr val="A1B9FD"/>
+                </a:solidFill>
+                <a:effectLst>
+                  <a:outerShdw dist="38100" dir="2700000" algn="bl" rotWithShape="0">
+                    <a:schemeClr val="accent5"/>
+                  </a:outerShdw>
+                </a:effectLst>
               </a:rPr>
-              <a:t>StormMQ</a:t>
-            </a:r>
-            <a:endParaRPr kumimoji="0" lang="en-US" sz="1800" b="0" i="0" u="none" strike="noStrike" baseline="0" dirty="0">
+              <a:t>Sagas</a:t>
+            </a:r>
+            <a:endParaRPr lang="en-US" sz="2800" b="1" cap="none" spc="0" dirty="0">
+              <a:ln w="13462">
+                <a:solidFill>
+                  <a:schemeClr val="bg1"/>
+                </a:solidFill>
+                <a:prstDash val="solid"/>
+              </a:ln>
               <a:solidFill>
-                <a:schemeClr val="tx1">
-                  <a:alpha val="100000"/>
-                </a:schemeClr>
+                <a:srgbClr val="A1B9FD"/>
               </a:solidFill>
-              <a:effectLst/>
-              <a:latin typeface="Arial"/>
-            </a:endParaRPr>
-          </a:p>
-        </p:txBody>
-      </p:sp>
-      <p:sp>
-        <p:nvSpPr>
-          <p:cNvPr id="13" name="Rounded Rectangle 12"/>
-          <p:cNvSpPr/>
-          <p:nvPr/>
-        </p:nvSpPr>
-        <p:spPr bwMode="auto">
-          <a:xfrm>
-            <a:off x="5581650" y="2619374"/>
-            <a:ext cx="2133600" cy="533400"/>
-          </a:xfrm>
-          <a:prstGeom prst="roundRect">
-            <a:avLst/>
-          </a:prstGeom>
-          <a:solidFill>
-            <a:srgbClr val="A1B9FD"/>
-          </a:solidFill>
-          <a:ln w="9525" cap="flat" cmpd="sng" algn="ctr">
-            <a:solidFill>
-              <a:srgbClr val="FF0000"/>
-            </a:solidFill>
-            <a:prstDash val="solid"/>
-            <a:round/>
-            <a:headEnd type="none" w="med" len="med"/>
-            <a:tailEnd type="none" w="med" len="med"/>
-          </a:ln>
-          <a:effectLst/>
-        </p:spPr>
-        <p:txBody>
-          <a:bodyPr vert="horz" wrap="none" lIns="91440" tIns="45720" rIns="91440" bIns="45720" rtlCol="0" anchor="ctr" compatLnSpc="1"/>
-          <a:lstStyle/>
-          <a:p>
-            <a:pPr algn="ctr"/>
-            <a:r>
-              <a:rPr lang="en-US" dirty="0"/>
-              <a:t>Apache </a:t>
-            </a:r>
-            <a:r>
-              <a:rPr lang="en-US" dirty="0" err="1" smtClean="0"/>
-              <a:t>Qpid</a:t>
-            </a:r>
-            <a:endParaRPr lang="en-US" dirty="0"/>
-          </a:p>
-        </p:txBody>
-      </p:sp>
-      <p:sp>
-        <p:nvSpPr>
-          <p:cNvPr id="14" name="Rounded Rectangle 13"/>
-          <p:cNvSpPr/>
-          <p:nvPr/>
-        </p:nvSpPr>
-        <p:spPr bwMode="auto">
-          <a:xfrm>
-            <a:off x="1143000" y="4286250"/>
-            <a:ext cx="2133600" cy="533400"/>
-          </a:xfrm>
-          <a:prstGeom prst="roundRect">
-            <a:avLst/>
-          </a:prstGeom>
-          <a:solidFill>
-            <a:srgbClr val="A1B9FD"/>
-          </a:solidFill>
-          <a:ln w="9525" cap="flat" cmpd="sng" algn="ctr">
-            <a:solidFill>
-              <a:srgbClr val="FF0000"/>
-            </a:solidFill>
-            <a:prstDash val="solid"/>
-            <a:round/>
-            <a:headEnd type="none" w="med" len="med"/>
-            <a:tailEnd type="none" w="med" len="med"/>
-          </a:ln>
-          <a:effectLst/>
-        </p:spPr>
-        <p:txBody>
-          <a:bodyPr vert="horz" wrap="none" lIns="91440" tIns="45720" rIns="91440" bIns="45720" rtlCol="0" anchor="ctr" compatLnSpc="1"/>
-          <a:lstStyle/>
-          <a:p>
-            <a:pPr marL="0" marR="0" indent="0" algn="ctr" defTabSz="914400" rtl="0" eaLnBrk="1" fontAlgn="base" latinLnBrk="0" hangingPunct="1">
-              <a:lnSpc>
-                <a:spcPct val="100000"/>
-              </a:lnSpc>
-              <a:spcBef>
-                <a:spcPct val="0"/>
-              </a:spcBef>
-              <a:spcAft>
-                <a:spcPct val="0"/>
-              </a:spcAft>
-              <a:buNone/>
-              <a:tabLst/>
-            </a:pPr>
-            <a:r>
-              <a:rPr lang="en-US" dirty="0" smtClean="0">
-                <a:solidFill>
-                  <a:schemeClr val="tx1">
-                    <a:alpha val="100000"/>
-                  </a:schemeClr>
-                </a:solidFill>
-                <a:latin typeface="Arial"/>
-              </a:rPr>
-              <a:t>NServiceBus</a:t>
-            </a:r>
-            <a:endParaRPr kumimoji="0" lang="en-US" sz="1800" b="0" i="0" u="none" strike="noStrike" baseline="0" dirty="0">
-              <a:solidFill>
-                <a:schemeClr val="tx1">
-                  <a:alpha val="100000"/>
-                </a:schemeClr>
-              </a:solidFill>
-              <a:effectLst/>
-              <a:latin typeface="Arial"/>
-            </a:endParaRPr>
-          </a:p>
-        </p:txBody>
-      </p:sp>
-      <p:sp>
-        <p:nvSpPr>
-          <p:cNvPr id="15" name="Rounded Rectangle 14"/>
-          <p:cNvSpPr/>
-          <p:nvPr/>
-        </p:nvSpPr>
-        <p:spPr bwMode="auto">
-          <a:xfrm>
-            <a:off x="3362325" y="4286250"/>
-            <a:ext cx="2133600" cy="533400"/>
-          </a:xfrm>
-          <a:prstGeom prst="roundRect">
-            <a:avLst/>
-          </a:prstGeom>
-          <a:solidFill>
-            <a:srgbClr val="A1B9FD"/>
-          </a:solidFill>
-          <a:ln w="9525" cap="flat" cmpd="sng" algn="ctr">
-            <a:solidFill>
-              <a:srgbClr val="FF0000"/>
-            </a:solidFill>
-            <a:prstDash val="solid"/>
-            <a:round/>
-            <a:headEnd type="none" w="med" len="med"/>
-            <a:tailEnd type="none" w="med" len="med"/>
-          </a:ln>
-          <a:effectLst/>
-        </p:spPr>
-        <p:txBody>
-          <a:bodyPr vert="horz" wrap="none" lIns="91440" tIns="45720" rIns="91440" bIns="45720" rtlCol="0" anchor="ctr" compatLnSpc="1"/>
-          <a:lstStyle/>
-          <a:p>
-            <a:pPr marL="0" marR="0" indent="0" algn="ctr" defTabSz="914400" rtl="0" eaLnBrk="1" fontAlgn="base" latinLnBrk="0" hangingPunct="1">
-              <a:lnSpc>
-                <a:spcPct val="100000"/>
-              </a:lnSpc>
-              <a:spcBef>
-                <a:spcPct val="0"/>
-              </a:spcBef>
-              <a:spcAft>
-                <a:spcPct val="0"/>
-              </a:spcAft>
-              <a:buNone/>
-              <a:tabLst/>
-            </a:pPr>
-            <a:r>
-              <a:rPr lang="en-US" dirty="0" err="1" smtClean="0">
-                <a:solidFill>
-                  <a:schemeClr val="tx1">
-                    <a:alpha val="100000"/>
-                  </a:schemeClr>
-                </a:solidFill>
-                <a:latin typeface="Arial"/>
-              </a:rPr>
-              <a:t>EasyNetQ</a:t>
-            </a:r>
-            <a:endParaRPr kumimoji="0" lang="en-US" sz="1800" b="0" i="0" u="none" strike="noStrike" baseline="0" dirty="0">
-              <a:solidFill>
-                <a:schemeClr val="tx1">
-                  <a:alpha val="100000"/>
-                </a:schemeClr>
-              </a:solidFill>
-              <a:effectLst/>
-              <a:latin typeface="Arial"/>
-            </a:endParaRPr>
-          </a:p>
-        </p:txBody>
-      </p:sp>
-      <p:sp>
-        <p:nvSpPr>
-          <p:cNvPr id="16" name="Rounded Rectangle 15"/>
-          <p:cNvSpPr/>
-          <p:nvPr/>
-        </p:nvSpPr>
-        <p:spPr bwMode="auto">
-          <a:xfrm>
-            <a:off x="5581650" y="4286250"/>
-            <a:ext cx="2133600" cy="533400"/>
-          </a:xfrm>
-          <a:prstGeom prst="roundRect">
-            <a:avLst/>
-          </a:prstGeom>
-          <a:solidFill>
-            <a:srgbClr val="A1B9FD"/>
-          </a:solidFill>
-          <a:ln w="9525" cap="flat" cmpd="sng" algn="ctr">
-            <a:solidFill>
-              <a:srgbClr val="FF0000"/>
-            </a:solidFill>
-            <a:prstDash val="solid"/>
-            <a:round/>
-            <a:headEnd type="none" w="med" len="med"/>
-            <a:tailEnd type="none" w="med" len="med"/>
-          </a:ln>
-          <a:effectLst/>
-        </p:spPr>
-        <p:txBody>
-          <a:bodyPr vert="horz" wrap="none" lIns="91440" tIns="45720" rIns="91440" bIns="45720" rtlCol="0" anchor="ctr" compatLnSpc="1"/>
-          <a:lstStyle/>
-          <a:p>
-            <a:pPr marL="0" marR="0" indent="0" algn="ctr" defTabSz="914400" rtl="0" eaLnBrk="1" fontAlgn="base" latinLnBrk="0" hangingPunct="1">
-              <a:lnSpc>
-                <a:spcPct val="100000"/>
-              </a:lnSpc>
-              <a:spcBef>
-                <a:spcPct val="0"/>
-              </a:spcBef>
-              <a:spcAft>
-                <a:spcPct val="0"/>
-              </a:spcAft>
-              <a:buNone/>
-              <a:tabLst/>
-            </a:pPr>
-            <a:r>
-              <a:rPr lang="en-US" dirty="0" err="1" smtClean="0">
-                <a:solidFill>
-                  <a:schemeClr val="tx1">
-                    <a:alpha val="100000"/>
-                  </a:schemeClr>
-                </a:solidFill>
-                <a:latin typeface="Arial"/>
-              </a:rPr>
-              <a:t>SpringAMQP</a:t>
-            </a:r>
-            <a:endParaRPr kumimoji="0" lang="en-US" sz="1800" b="0" i="0" u="none" strike="noStrike" baseline="0" dirty="0">
-              <a:solidFill>
-                <a:schemeClr val="tx1">
-                  <a:alpha val="100000"/>
-                </a:schemeClr>
-              </a:solidFill>
-              <a:effectLst/>
-              <a:latin typeface="Arial"/>
+              <a:effectLst>
+                <a:outerShdw dist="38100" dir="2700000" algn="bl" rotWithShape="0">
+                  <a:schemeClr val="accent5"/>
+                </a:outerShdw>
+              </a:effectLst>
             </a:endParaRPr>
           </a:p>
         </p:txBody>
@@ -6842,7 +7967,7 @@
     </p:spTree>
     <p:extLst>
       <p:ext uri="{BB962C8B-B14F-4D97-AF65-F5344CB8AC3E}">
-        <p14:creationId xmlns:p14="http://schemas.microsoft.com/office/powerpoint/2010/main" val="4047389449"/>
+        <p14:creationId xmlns:p14="http://schemas.microsoft.com/office/powerpoint/2010/main" val="469056262"/>
       </p:ext>
     </p:extLst>
   </p:cSld>
@@ -6887,7 +8012,11 @@
           <a:p>
             <a:r>
               <a:rPr lang="en-US" dirty="0" smtClean="0"/>
-              <a:t>Why</a:t>
+              <a:t>AMQP - </a:t>
+            </a:r>
+            <a:r>
+              <a:rPr lang="en-US" dirty="0" err="1" smtClean="0"/>
+              <a:t>RabbitMQ</a:t>
             </a:r>
             <a:endParaRPr lang="en-US" dirty="0"/>
           </a:p>
@@ -6895,7 +8024,7 @@
       </p:sp>
       <p:sp>
         <p:nvSpPr>
-          <p:cNvPr id="3" name="Content Placeholder 2"/>
+          <p:cNvPr id="11" name="Content Placeholder 2"/>
           <p:cNvSpPr>
             <a:spLocks noGrp="1"/>
           </p:cNvSpPr>
@@ -6905,8 +8034,8 @@
         </p:nvSpPr>
         <p:spPr>
           <a:xfrm>
-            <a:off x="301624" y="11545487"/>
-            <a:ext cx="5111827" cy="702210"/>
+            <a:off x="381000" y="1676400"/>
+            <a:ext cx="8229600" cy="1828800"/>
           </a:xfrm>
         </p:spPr>
         <p:txBody>
@@ -6918,8 +8047,36 @@
               <a:buChar char="•"/>
             </a:pPr>
             <a:r>
+              <a:rPr lang="en-US" u="sng" dirty="0" smtClean="0"/>
+              <a:t>A</a:t>
+            </a:r>
+            <a:r>
               <a:rPr lang="en-US" dirty="0" smtClean="0"/>
-              <a:t>High-Speed</a:t>
+              <a:t>dvanced </a:t>
+            </a:r>
+            <a:r>
+              <a:rPr lang="en-US" u="sng" dirty="0"/>
+              <a:t>M</a:t>
+            </a:r>
+            <a:r>
+              <a:rPr lang="en-US" dirty="0"/>
+              <a:t>essage </a:t>
+            </a:r>
+            <a:r>
+              <a:rPr lang="en-US" u="sng" dirty="0"/>
+              <a:t>Q</a:t>
+            </a:r>
+            <a:r>
+              <a:rPr lang="en-US" dirty="0"/>
+              <a:t>ueuing </a:t>
+            </a:r>
+            <a:r>
+              <a:rPr lang="en-US" u="sng" dirty="0" smtClean="0"/>
+              <a:t>P</a:t>
+            </a:r>
+            <a:r>
+              <a:rPr lang="en-US" dirty="0" smtClean="0"/>
+              <a:t>rotocol</a:t>
             </a:r>
           </a:p>
           <a:p>
@@ -6929,7 +8086,15 @@
             </a:pPr>
             <a:r>
               <a:rPr lang="en-US" dirty="0" smtClean="0"/>
-              <a:t>Asynchronous</a:t>
+              <a:t>Open </a:t>
+            </a:r>
+            <a:r>
+              <a:rPr lang="en-US" dirty="0"/>
+              <a:t>standard application layer </a:t>
+            </a:r>
+            <a:r>
+              <a:rPr lang="en-US" dirty="0" smtClean="0"/>
+              <a:t>protocol</a:t>
             </a:r>
           </a:p>
           <a:p>
@@ -6939,7 +8104,15 @@
             </a:pPr>
             <a:r>
               <a:rPr lang="en-US" dirty="0" smtClean="0"/>
-              <a:t>Program-to-Program communication</a:t>
+              <a:t>Message </a:t>
+            </a:r>
+            <a:r>
+              <a:rPr lang="en-US" dirty="0"/>
+              <a:t>orientation, queuing, </a:t>
+            </a:r>
+            <a:r>
+              <a:rPr lang="en-US" dirty="0" smtClean="0"/>
+              <a:t>routing</a:t>
             </a:r>
           </a:p>
           <a:p>
@@ -6949,17 +8122,15 @@
             </a:pPr>
             <a:r>
               <a:rPr lang="en-US" dirty="0" smtClean="0"/>
-              <a:t>Reliable</a:t>
-            </a:r>
-          </a:p>
-          <a:p>
-            <a:endParaRPr lang="en-US" dirty="0"/>
-          </a:p>
-        </p:txBody>
-      </p:sp>
-      <p:sp>
-        <p:nvSpPr>
-          <p:cNvPr id="4" name="Subtitle 3"/>
+              <a:t>Synonymous with HTTP</a:t>
+            </a:r>
+            <a:endParaRPr lang="en-US" dirty="0" smtClean="0"/>
+          </a:p>
+        </p:txBody>
+      </p:sp>
+      <p:sp>
+        <p:nvSpPr>
+          <p:cNvPr id="12" name="Subtitle 3"/>
           <p:cNvSpPr>
             <a:spLocks noGrp="1"/>
           </p:cNvSpPr>
@@ -6969,8 +8140,8 @@
         </p:nvSpPr>
         <p:spPr>
           <a:xfrm>
-            <a:off x="539750" y="6853123"/>
-            <a:ext cx="37755724" cy="685800"/>
+            <a:off x="381000" y="1219200"/>
+            <a:ext cx="7543800" cy="457200"/>
           </a:xfrm>
         </p:spPr>
         <p:txBody>
@@ -6979,7 +8150,7 @@
           <a:p>
             <a:r>
               <a:rPr lang="en-US" dirty="0" smtClean="0"/>
-              <a:t>What is Messaging*</a:t>
+              <a:t>AMQP</a:t>
             </a:r>
             <a:endParaRPr lang="en-US" dirty="0"/>
           </a:p>
@@ -6987,69 +8158,7 @@
       </p:sp>
       <p:sp>
         <p:nvSpPr>
-          <p:cNvPr id="5" name="TextBox 4"/>
-          <p:cNvSpPr txBox="1"/>
-          <p:nvPr/>
-        </p:nvSpPr>
-        <p:spPr>
-          <a:xfrm>
-            <a:off x="463550" y="9672523"/>
-            <a:ext cx="31912576" cy="261610"/>
-          </a:xfrm>
-          <a:prstGeom prst="rect">
-            <a:avLst/>
-          </a:prstGeom>
-          <a:noFill/>
-        </p:spPr>
-        <p:txBody>
-          <a:bodyPr wrap="square" rtlCol="0">
-            <a:spAutoFit/>
-          </a:bodyPr>
-          <a:lstStyle/>
-          <a:p>
-            <a:r>
-              <a:rPr lang="en-US" sz="1100" dirty="0" smtClean="0"/>
-              <a:t>*</a:t>
-            </a:r>
-            <a:r>
-              <a:rPr lang="en-US" sz="1100" dirty="0" err="1" smtClean="0"/>
-              <a:t>Hohpe</a:t>
-            </a:r>
-            <a:r>
-              <a:rPr lang="en-US" sz="1100" dirty="0" smtClean="0"/>
-              <a:t>, </a:t>
-            </a:r>
-            <a:r>
-              <a:rPr lang="en-US" sz="1100" dirty="0" err="1" smtClean="0"/>
-              <a:t>Gregor</a:t>
-            </a:r>
-            <a:r>
-              <a:rPr lang="en-US" sz="1100" dirty="0" smtClean="0"/>
-              <a:t>, </a:t>
-            </a:r>
-            <a:r>
-              <a:rPr lang="en-US" sz="1100" i="1" dirty="0" smtClean="0"/>
-              <a:t>Enterprise Integration: </a:t>
-            </a:r>
-            <a:r>
-              <a:rPr lang="en-US" sz="1100" dirty="0" smtClean="0"/>
-              <a:t>Addison-</a:t>
-            </a:r>
-            <a:r>
-              <a:rPr lang="en-US" sz="1100" dirty="0" err="1" smtClean="0"/>
-              <a:t>Weesley</a:t>
-            </a:r>
-            <a:r>
-              <a:rPr lang="en-US" sz="1100" dirty="0" smtClean="0"/>
-              <a:t>, 2004, Print.</a:t>
-            </a:r>
-            <a:endParaRPr lang="en-US" sz="1100" dirty="0"/>
-          </a:p>
-        </p:txBody>
-      </p:sp>
-      <p:sp>
-        <p:nvSpPr>
-          <p:cNvPr id="6" name="Content Placeholder 2"/>
+          <p:cNvPr id="13" name="Content Placeholder 2"/>
           <p:cNvSpPr txBox="1">
             <a:spLocks/>
           </p:cNvSpPr>
@@ -7057,8 +8166,8 @@
         </p:nvSpPr>
         <p:spPr bwMode="auto">
           <a:xfrm>
-            <a:off x="1219200" y="6560259"/>
-            <a:ext cx="8616950" cy="208718"/>
+            <a:off x="342900" y="3962400"/>
+            <a:ext cx="8229600" cy="2057400"/>
           </a:xfrm>
           <a:prstGeom prst="rect">
             <a:avLst/>
@@ -7245,16 +8354,17 @@
             </a:pPr>
             <a:r>
               <a:rPr lang="en-US" kern="0" dirty="0" smtClean="0"/>
-              <a:t>Telephone {RPC} </a:t>
-            </a:r>
-            <a:r>
-              <a:rPr lang="en-US" kern="0" dirty="0" err="1" smtClean="0"/>
-              <a:t>vs</a:t>
-            </a:r>
-            <a:r>
-              <a:rPr lang="en-US" kern="0" dirty="0" smtClean="0"/>
-              <a:t> Voicemail {Messaging}</a:t>
-            </a:r>
+              <a:t>Open Source Written </a:t>
+            </a:r>
+            <a:r>
+              <a:rPr lang="en-US" kern="0" dirty="0"/>
+              <a:t>in </a:t>
+            </a:r>
+            <a:r>
+              <a:rPr lang="en-US" kern="0" dirty="0" err="1"/>
+              <a:t>Erlang</a:t>
+            </a:r>
+            <a:endParaRPr lang="en-US" kern="0" dirty="0"/>
           </a:p>
           <a:p>
             <a:pPr>
@@ -7263,7 +8373,7 @@
             </a:pPr>
             <a:r>
               <a:rPr lang="en-US" kern="0" dirty="0" smtClean="0"/>
-              <a:t>Snail Mail</a:t>
+              <a:t>Message Broker</a:t>
             </a:r>
           </a:p>
           <a:p>
@@ -7273,11 +8383,757 @@
             </a:pPr>
             <a:r>
               <a:rPr lang="en-US" kern="0" dirty="0" smtClean="0"/>
-              <a:t>Magazines</a:t>
-            </a:r>
-          </a:p>
-          <a:p>
+              <a:t>Implemented AMQP 0.9.1</a:t>
+            </a:r>
+          </a:p>
+          <a:p>
+            <a:pPr>
+              <a:buFont typeface="Arial" panose="020B0604020202020204" pitchFamily="34" charset="0"/>
+              <a:buChar char="•"/>
+            </a:pPr>
+            <a:r>
+              <a:rPr lang="en-US" kern="0" dirty="0" smtClean="0"/>
+              <a:t>Synonymous with IIS</a:t>
+            </a:r>
+            <a:endParaRPr lang="en-US" kern="0" dirty="0" smtClean="0"/>
+          </a:p>
+        </p:txBody>
+      </p:sp>
+      <p:sp>
+        <p:nvSpPr>
+          <p:cNvPr id="14" name="Subtitle 3"/>
+          <p:cNvSpPr txBox="1">
+            <a:spLocks/>
+          </p:cNvSpPr>
+          <p:nvPr/>
+        </p:nvSpPr>
+        <p:spPr bwMode="auto">
+          <a:xfrm>
+            <a:off x="342900" y="3505200"/>
+            <a:ext cx="7543800" cy="457200"/>
+          </a:xfrm>
+          <a:prstGeom prst="rect">
+            <a:avLst/>
+          </a:prstGeom>
+          <a:noFill/>
+          <a:ln w="9525">
+            <a:noFill/>
+            <a:miter lim="800000"/>
+            <a:headEnd/>
+            <a:tailEnd/>
+          </a:ln>
+        </p:spPr>
+        <p:txBody>
+          <a:bodyPr vert="horz" wrap="square" lIns="91440" tIns="45720" rIns="91440" bIns="45720" numCol="1" rtlCol="0" anchor="t" anchorCtr="0" compatLnSpc="1">
+            <a:prstTxWarp prst="textNoShape">
+              <a:avLst/>
+            </a:prstTxWarp>
+          </a:bodyPr>
+          <a:lstStyle>
+            <a:lvl1pPr marL="0" indent="0" algn="l" defTabSz="-13873163" rtl="0" eaLnBrk="0" fontAlgn="base" hangingPunct="0">
+              <a:spcBef>
+                <a:spcPct val="20000"/>
+              </a:spcBef>
+              <a:spcAft>
+                <a:spcPct val="0"/>
+              </a:spcAft>
+              <a:buClr>
+                <a:srgbClr val="D8771F"/>
+              </a:buClr>
+              <a:buNone/>
+              <a:defRPr sz="2400" b="1">
+                <a:solidFill>
+                  <a:srgbClr val="D8771F"/>
+                </a:solidFill>
+                <a:latin typeface="+mn-lt"/>
+                <a:ea typeface="+mn-ea"/>
+                <a:cs typeface="+mn-cs"/>
+              </a:defRPr>
+            </a:lvl1pPr>
+            <a:lvl2pPr marL="457200" indent="0" algn="ctr" defTabSz="-13873163" rtl="0" eaLnBrk="0" fontAlgn="base" hangingPunct="0">
+              <a:spcBef>
+                <a:spcPct val="20000"/>
+              </a:spcBef>
+              <a:spcAft>
+                <a:spcPct val="0"/>
+              </a:spcAft>
+              <a:buClr>
+                <a:srgbClr val="D8771F"/>
+              </a:buClr>
+              <a:buNone/>
+              <a:defRPr sz="2000">
+                <a:solidFill>
+                  <a:schemeClr val="tx1">
+                    <a:tint val="75000"/>
+                  </a:schemeClr>
+                </a:solidFill>
+                <a:latin typeface="+mn-lt"/>
+              </a:defRPr>
+            </a:lvl2pPr>
+            <a:lvl3pPr marL="914400" indent="0" algn="ctr" defTabSz="-13873163" rtl="0" eaLnBrk="0" fontAlgn="base" hangingPunct="0">
+              <a:spcBef>
+                <a:spcPct val="20000"/>
+              </a:spcBef>
+              <a:spcAft>
+                <a:spcPct val="0"/>
+              </a:spcAft>
+              <a:buClr>
+                <a:srgbClr val="D8771F"/>
+              </a:buClr>
+              <a:buNone/>
+              <a:defRPr sz="1800">
+                <a:solidFill>
+                  <a:schemeClr val="tx1">
+                    <a:tint val="75000"/>
+                  </a:schemeClr>
+                </a:solidFill>
+                <a:latin typeface="+mn-lt"/>
+              </a:defRPr>
+            </a:lvl3pPr>
+            <a:lvl4pPr marL="1371600" indent="0" algn="ctr" defTabSz="-13873163" rtl="0" eaLnBrk="0" fontAlgn="base" hangingPunct="0">
+              <a:spcBef>
+                <a:spcPct val="20000"/>
+              </a:spcBef>
+              <a:spcAft>
+                <a:spcPct val="0"/>
+              </a:spcAft>
+              <a:buClr>
+                <a:srgbClr val="D8771F"/>
+              </a:buClr>
+              <a:buNone/>
+              <a:defRPr>
+                <a:solidFill>
+                  <a:schemeClr val="tx1">
+                    <a:tint val="75000"/>
+                  </a:schemeClr>
+                </a:solidFill>
+                <a:latin typeface="+mn-lt"/>
+              </a:defRPr>
+            </a:lvl4pPr>
+            <a:lvl5pPr marL="1828800" indent="0" algn="ctr" defTabSz="-13873163" rtl="0" eaLnBrk="0" fontAlgn="base" hangingPunct="0">
+              <a:spcBef>
+                <a:spcPct val="20000"/>
+              </a:spcBef>
+              <a:spcAft>
+                <a:spcPct val="0"/>
+              </a:spcAft>
+              <a:buClr>
+                <a:srgbClr val="D8771F"/>
+              </a:buClr>
+              <a:buNone/>
+              <a:defRPr sz="1600">
+                <a:solidFill>
+                  <a:schemeClr val="tx1">
+                    <a:tint val="75000"/>
+                  </a:schemeClr>
+                </a:solidFill>
+                <a:latin typeface="+mn-lt"/>
+              </a:defRPr>
+            </a:lvl5pPr>
+            <a:lvl6pPr marL="2286000" indent="0" algn="ctr" fontAlgn="base">
+              <a:spcBef>
+                <a:spcPct val="20000"/>
+              </a:spcBef>
+              <a:spcAft>
+                <a:spcPct val="0"/>
+              </a:spcAft>
+              <a:buNone/>
+              <a:defRPr sz="2000">
+                <a:solidFill>
+                  <a:schemeClr val="tx1">
+                    <a:tint val="75000"/>
+                  </a:schemeClr>
+                </a:solidFill>
+                <a:latin typeface="+mn-lt"/>
+              </a:defRPr>
+            </a:lvl6pPr>
+            <a:lvl7pPr marL="2743200" indent="0" algn="ctr" fontAlgn="base">
+              <a:spcBef>
+                <a:spcPct val="20000"/>
+              </a:spcBef>
+              <a:spcAft>
+                <a:spcPct val="0"/>
+              </a:spcAft>
+              <a:buNone/>
+              <a:defRPr sz="2000">
+                <a:solidFill>
+                  <a:schemeClr val="tx1">
+                    <a:tint val="75000"/>
+                  </a:schemeClr>
+                </a:solidFill>
+                <a:latin typeface="+mn-lt"/>
+              </a:defRPr>
+            </a:lvl7pPr>
+            <a:lvl8pPr marL="3200400" indent="0" algn="ctr" fontAlgn="base">
+              <a:spcBef>
+                <a:spcPct val="20000"/>
+              </a:spcBef>
+              <a:spcAft>
+                <a:spcPct val="0"/>
+              </a:spcAft>
+              <a:buNone/>
+              <a:defRPr sz="2000">
+                <a:solidFill>
+                  <a:schemeClr val="tx1">
+                    <a:tint val="75000"/>
+                  </a:schemeClr>
+                </a:solidFill>
+                <a:latin typeface="+mn-lt"/>
+              </a:defRPr>
+            </a:lvl8pPr>
+            <a:lvl9pPr marL="3657600" indent="0" algn="ctr" fontAlgn="base">
+              <a:spcBef>
+                <a:spcPct val="20000"/>
+              </a:spcBef>
+              <a:spcAft>
+                <a:spcPct val="0"/>
+              </a:spcAft>
+              <a:buNone/>
+              <a:defRPr sz="2000">
+                <a:solidFill>
+                  <a:schemeClr val="tx1">
+                    <a:tint val="75000"/>
+                  </a:schemeClr>
+                </a:solidFill>
+                <a:latin typeface="+mn-lt"/>
+              </a:defRPr>
+            </a:lvl9pPr>
+          </a:lstStyle>
+          <a:p>
+            <a:r>
+              <a:rPr lang="en-US" kern="0" dirty="0" err="1" smtClean="0"/>
+              <a:t>RabbitMQ</a:t>
+            </a:r>
             <a:endParaRPr lang="en-US" kern="0" dirty="0"/>
+          </a:p>
+        </p:txBody>
+      </p:sp>
+    </p:spTree>
+    <p:extLst>
+      <p:ext uri="{BB962C8B-B14F-4D97-AF65-F5344CB8AC3E}">
+        <p14:creationId xmlns:p14="http://schemas.microsoft.com/office/powerpoint/2010/main" val="2629372260"/>
+      </p:ext>
+    </p:extLst>
+  </p:cSld>
+  <p:clrMapOvr>
+    <a:masterClrMapping/>
+  </p:clrMapOvr>
+  <p:transition/>
+</p:sld>
+</file>
+
+<file path=ppt/slides/slide14.xml><?xml version="1.0" encoding="utf-8"?>
+<p:sld xmlns:a="http://schemas.openxmlformats.org/drawingml/2006/main" xmlns:r="http://schemas.openxmlformats.org/officeDocument/2006/relationships" xmlns:p="http://schemas.openxmlformats.org/presentationml/2006/main">
+  <p:cSld>
+    <p:spTree>
+      <p:nvGrpSpPr>
+        <p:cNvPr id="1" name=""/>
+        <p:cNvGrpSpPr/>
+        <p:nvPr/>
+      </p:nvGrpSpPr>
+      <p:grpSpPr>
+        <a:xfrm>
+          <a:off x="0" y="0"/>
+          <a:ext cx="0" cy="0"/>
+          <a:chOff x="0" y="0"/>
+          <a:chExt cx="0" cy="0"/>
+        </a:xfrm>
+      </p:grpSpPr>
+      <p:sp>
+        <p:nvSpPr>
+          <p:cNvPr id="2" name="Title 1"/>
+          <p:cNvSpPr>
+            <a:spLocks noGrp="1"/>
+          </p:cNvSpPr>
+          <p:nvPr>
+            <p:ph type="title"/>
+          </p:nvPr>
+        </p:nvSpPr>
+        <p:spPr/>
+        <p:txBody>
+          <a:bodyPr/>
+          <a:lstStyle/>
+          <a:p>
+            <a:r>
+              <a:rPr lang="en-US" dirty="0" smtClean="0"/>
+              <a:t>Demo </a:t>
+            </a:r>
+            <a:r>
+              <a:rPr lang="en-US" dirty="0"/>
+              <a:t>–</a:t>
+            </a:r>
+            <a:r>
+              <a:rPr lang="en-US" dirty="0" smtClean="0"/>
+              <a:t> One Way – aka Fire and Forget</a:t>
+            </a:r>
+            <a:endParaRPr lang="en-US" dirty="0"/>
+          </a:p>
+        </p:txBody>
+      </p:sp>
+      <p:pic>
+        <p:nvPicPr>
+          <p:cNvPr id="2050" name="Picture 2" descr="https://encrypted-tbn0.gstatic.com/images?q=tbn:ANd9GcRt3Gob8NlsjJc_YfuPGjNKTweFEU9KjPQ1Pu3v_VQZ0UIv2zJbEQ"/>
+          <p:cNvPicPr>
+            <a:picLocks noGrp="1" noChangeAspect="1" noChangeArrowheads="1"/>
+          </p:cNvPicPr>
+          <p:nvPr>
+            <p:ph idx="1"/>
+          </p:nvPr>
+        </p:nvPicPr>
+        <p:blipFill>
+          <a:blip r:embed="rId3">
+            <a:extLst>
+              <a:ext uri="{28A0092B-C50C-407E-A947-70E740481C1C}">
+                <a14:useLocalDpi xmlns:a14="http://schemas.microsoft.com/office/drawing/2010/main" val="0"/>
+              </a:ext>
+            </a:extLst>
+          </a:blip>
+          <a:srcRect/>
+          <a:stretch>
+            <a:fillRect/>
+          </a:stretch>
+        </p:blipFill>
+        <p:spPr bwMode="auto">
+          <a:xfrm>
+            <a:off x="3462337" y="2509837"/>
+            <a:ext cx="2143125" cy="2143125"/>
+          </a:xfrm>
+          <a:prstGeom prst="rect">
+            <a:avLst/>
+          </a:prstGeom>
+          <a:noFill/>
+          <a:extLst>
+            <a:ext uri="{909E8E84-426E-40DD-AFC4-6F175D3DCCD1}">
+              <a14:hiddenFill xmlns:a14="http://schemas.microsoft.com/office/drawing/2010/main">
+                <a:solidFill>
+                  <a:srgbClr val="FFFFFF"/>
+                </a:solidFill>
+              </a14:hiddenFill>
+            </a:ext>
+          </a:extLst>
+        </p:spPr>
+      </p:pic>
+      <p:sp>
+        <p:nvSpPr>
+          <p:cNvPr id="5" name="Rectangle 4"/>
+          <p:cNvSpPr/>
+          <p:nvPr/>
+        </p:nvSpPr>
+        <p:spPr bwMode="auto">
+          <a:xfrm>
+            <a:off x="609600" y="3048000"/>
+            <a:ext cx="1905000" cy="1066800"/>
+          </a:xfrm>
+          <a:prstGeom prst="rect">
+            <a:avLst/>
+          </a:prstGeom>
+          <a:noFill/>
+          <a:ln w="9525" cap="flat" cmpd="sng" algn="ctr">
+            <a:solidFill>
+              <a:srgbClr val="31668B"/>
+            </a:solidFill>
+            <a:prstDash val="solid"/>
+            <a:round/>
+            <a:headEnd type="none" w="med" len="med"/>
+            <a:tailEnd type="none" w="med" len="med"/>
+          </a:ln>
+          <a:effectLst/>
+        </p:spPr>
+        <p:txBody>
+          <a:bodyPr vert="horz" wrap="none" lIns="91440" tIns="45720" rIns="91440" bIns="45720" rtlCol="0" anchor="ctr" compatLnSpc="1"/>
+          <a:lstStyle/>
+          <a:p>
+            <a:pPr marL="0" marR="0" indent="0" algn="ctr" defTabSz="914400" rtl="0" eaLnBrk="1" fontAlgn="base" latinLnBrk="0" hangingPunct="1">
+              <a:lnSpc>
+                <a:spcPct val="100000"/>
+              </a:lnSpc>
+              <a:spcBef>
+                <a:spcPct val="0"/>
+              </a:spcBef>
+              <a:spcAft>
+                <a:spcPct val="0"/>
+              </a:spcAft>
+              <a:buNone/>
+              <a:tabLst/>
+            </a:pPr>
+            <a:r>
+              <a:rPr kumimoji="0" lang="en-US" sz="1800" b="0" i="0" u="none" strike="noStrike" baseline="0" dirty="0" smtClean="0">
+                <a:solidFill>
+                  <a:schemeClr val="tx1">
+                    <a:alpha val="100000"/>
+                  </a:schemeClr>
+                </a:solidFill>
+                <a:effectLst/>
+                <a:latin typeface="Arial"/>
+              </a:rPr>
+              <a:t>Producer </a:t>
+            </a:r>
+            <a:endParaRPr kumimoji="0" lang="en-US" sz="1800" b="0" i="0" u="none" strike="noStrike" baseline="0" dirty="0">
+              <a:solidFill>
+                <a:schemeClr val="tx1">
+                  <a:alpha val="100000"/>
+                </a:schemeClr>
+              </a:solidFill>
+              <a:effectLst/>
+              <a:latin typeface="Arial"/>
+            </a:endParaRPr>
+          </a:p>
+        </p:txBody>
+      </p:sp>
+      <p:sp>
+        <p:nvSpPr>
+          <p:cNvPr id="7" name="Rectangle 6"/>
+          <p:cNvSpPr/>
+          <p:nvPr/>
+        </p:nvSpPr>
+        <p:spPr bwMode="auto">
+          <a:xfrm>
+            <a:off x="6553200" y="3048000"/>
+            <a:ext cx="1905000" cy="1066800"/>
+          </a:xfrm>
+          <a:prstGeom prst="rect">
+            <a:avLst/>
+          </a:prstGeom>
+          <a:noFill/>
+          <a:ln w="9525" cap="flat" cmpd="sng" algn="ctr">
+            <a:solidFill>
+              <a:srgbClr val="31668B"/>
+            </a:solidFill>
+            <a:prstDash val="solid"/>
+            <a:round/>
+            <a:headEnd type="none" w="med" len="med"/>
+            <a:tailEnd type="none" w="med" len="med"/>
+          </a:ln>
+          <a:effectLst/>
+        </p:spPr>
+        <p:txBody>
+          <a:bodyPr vert="horz" wrap="none" lIns="91440" tIns="45720" rIns="91440" bIns="45720" rtlCol="0" anchor="ctr" compatLnSpc="1"/>
+          <a:lstStyle/>
+          <a:p>
+            <a:pPr marL="0" marR="0" indent="0" algn="ctr" defTabSz="914400" rtl="0" eaLnBrk="1" fontAlgn="base" latinLnBrk="0" hangingPunct="1">
+              <a:lnSpc>
+                <a:spcPct val="100000"/>
+              </a:lnSpc>
+              <a:spcBef>
+                <a:spcPct val="0"/>
+              </a:spcBef>
+              <a:spcAft>
+                <a:spcPct val="0"/>
+              </a:spcAft>
+              <a:buNone/>
+              <a:tabLst/>
+            </a:pPr>
+            <a:r>
+              <a:rPr kumimoji="0" lang="en-US" sz="1800" b="0" i="0" u="none" strike="noStrike" baseline="0" dirty="0" smtClean="0">
+                <a:solidFill>
+                  <a:schemeClr val="tx1">
+                    <a:alpha val="100000"/>
+                  </a:schemeClr>
+                </a:solidFill>
+                <a:effectLst/>
+                <a:latin typeface="Arial"/>
+              </a:rPr>
+              <a:t>Consumer</a:t>
+            </a:r>
+            <a:endParaRPr kumimoji="0" lang="en-US" sz="1800" b="0" i="0" u="none" strike="noStrike" baseline="0" dirty="0">
+              <a:solidFill>
+                <a:schemeClr val="tx1">
+                  <a:alpha val="100000"/>
+                </a:schemeClr>
+              </a:solidFill>
+              <a:effectLst/>
+              <a:latin typeface="Arial"/>
+            </a:endParaRPr>
+          </a:p>
+        </p:txBody>
+      </p:sp>
+      <p:sp>
+        <p:nvSpPr>
+          <p:cNvPr id="6" name="Right Arrow 5"/>
+          <p:cNvSpPr/>
+          <p:nvPr/>
+        </p:nvSpPr>
+        <p:spPr bwMode="auto">
+          <a:xfrm>
+            <a:off x="2667000" y="3429000"/>
+            <a:ext cx="685800" cy="304800"/>
+          </a:xfrm>
+          <a:prstGeom prst="rightArrow">
+            <a:avLst/>
+          </a:prstGeom>
+          <a:noFill/>
+          <a:ln w="9525" cap="flat" cmpd="sng" algn="ctr">
+            <a:solidFill>
+              <a:srgbClr val="5F5F5F"/>
+            </a:solidFill>
+            <a:prstDash val="solid"/>
+            <a:round/>
+            <a:headEnd type="none" w="med" len="med"/>
+            <a:tailEnd type="none" w="med" len="med"/>
+          </a:ln>
+          <a:effectLst/>
+        </p:spPr>
+        <p:txBody>
+          <a:bodyPr vert="horz" wrap="none" lIns="91440" tIns="45720" rIns="91440" bIns="45720" rtlCol="0" anchor="ctr" compatLnSpc="1"/>
+          <a:lstStyle/>
+          <a:p>
+            <a:pPr marL="0" marR="0" indent="0" algn="ctr" defTabSz="914400" rtl="0" eaLnBrk="1" fontAlgn="base" latinLnBrk="0" hangingPunct="1">
+              <a:lnSpc>
+                <a:spcPct val="100000"/>
+              </a:lnSpc>
+              <a:spcBef>
+                <a:spcPct val="0"/>
+              </a:spcBef>
+              <a:spcAft>
+                <a:spcPct val="0"/>
+              </a:spcAft>
+              <a:buNone/>
+              <a:tabLst/>
+            </a:pPr>
+            <a:endParaRPr kumimoji="0" lang="en-US" sz="1800" b="0" i="0" u="none" strike="noStrike" baseline="0">
+              <a:solidFill>
+                <a:schemeClr val="tx1">
+                  <a:alpha val="100000"/>
+                </a:schemeClr>
+              </a:solidFill>
+              <a:effectLst/>
+              <a:latin typeface="Arial"/>
+            </a:endParaRPr>
+          </a:p>
+        </p:txBody>
+      </p:sp>
+      <p:sp>
+        <p:nvSpPr>
+          <p:cNvPr id="9" name="Right Arrow 8"/>
+          <p:cNvSpPr/>
+          <p:nvPr/>
+        </p:nvSpPr>
+        <p:spPr bwMode="auto">
+          <a:xfrm>
+            <a:off x="5680868" y="3429000"/>
+            <a:ext cx="685800" cy="304800"/>
+          </a:xfrm>
+          <a:prstGeom prst="rightArrow">
+            <a:avLst/>
+          </a:prstGeom>
+          <a:noFill/>
+          <a:ln w="9525" cap="flat" cmpd="sng" algn="ctr">
+            <a:solidFill>
+              <a:srgbClr val="5F5F5F"/>
+            </a:solidFill>
+            <a:prstDash val="solid"/>
+            <a:round/>
+            <a:headEnd type="none" w="med" len="med"/>
+            <a:tailEnd type="none" w="med" len="med"/>
+          </a:ln>
+          <a:effectLst/>
+        </p:spPr>
+        <p:txBody>
+          <a:bodyPr vert="horz" wrap="none" lIns="91440" tIns="45720" rIns="91440" bIns="45720" rtlCol="0" anchor="ctr" compatLnSpc="1"/>
+          <a:lstStyle/>
+          <a:p>
+            <a:pPr marL="0" marR="0" indent="0" algn="ctr" defTabSz="914400" rtl="0" eaLnBrk="1" fontAlgn="base" latinLnBrk="0" hangingPunct="1">
+              <a:lnSpc>
+                <a:spcPct val="100000"/>
+              </a:lnSpc>
+              <a:spcBef>
+                <a:spcPct val="0"/>
+              </a:spcBef>
+              <a:spcAft>
+                <a:spcPct val="0"/>
+              </a:spcAft>
+              <a:buNone/>
+              <a:tabLst/>
+            </a:pPr>
+            <a:endParaRPr kumimoji="0" lang="en-US" sz="1800" b="0" i="0" u="none" strike="noStrike" baseline="0">
+              <a:solidFill>
+                <a:schemeClr val="tx1">
+                  <a:alpha val="100000"/>
+                </a:schemeClr>
+              </a:solidFill>
+              <a:effectLst/>
+              <a:latin typeface="Arial"/>
+            </a:endParaRPr>
+          </a:p>
+        </p:txBody>
+      </p:sp>
+    </p:spTree>
+    <p:extLst>
+      <p:ext uri="{BB962C8B-B14F-4D97-AF65-F5344CB8AC3E}">
+        <p14:creationId xmlns:p14="http://schemas.microsoft.com/office/powerpoint/2010/main" val="1902623815"/>
+      </p:ext>
+    </p:extLst>
+  </p:cSld>
+  <p:clrMapOvr>
+    <a:masterClrMapping/>
+  </p:clrMapOvr>
+  <p:transition/>
+</p:sld>
+</file>
+
+<file path=ppt/slides/slide15.xml><?xml version="1.0" encoding="utf-8"?>
+<p:sld xmlns:a="http://schemas.openxmlformats.org/drawingml/2006/main" xmlns:r="http://schemas.openxmlformats.org/officeDocument/2006/relationships" xmlns:p="http://schemas.openxmlformats.org/presentationml/2006/main">
+  <p:cSld>
+    <p:spTree>
+      <p:nvGrpSpPr>
+        <p:cNvPr id="1" name=""/>
+        <p:cNvGrpSpPr/>
+        <p:nvPr/>
+      </p:nvGrpSpPr>
+      <p:grpSpPr>
+        <a:xfrm>
+          <a:off x="0" y="0"/>
+          <a:ext cx="0" cy="0"/>
+          <a:chOff x="0" y="0"/>
+          <a:chExt cx="0" cy="0"/>
+        </a:xfrm>
+      </p:grpSpPr>
+      <p:sp>
+        <p:nvSpPr>
+          <p:cNvPr id="2" name="Title 1"/>
+          <p:cNvSpPr>
+            <a:spLocks noGrp="1"/>
+          </p:cNvSpPr>
+          <p:nvPr>
+            <p:ph type="title"/>
+          </p:nvPr>
+        </p:nvSpPr>
+        <p:spPr/>
+        <p:txBody>
+          <a:bodyPr/>
+          <a:lstStyle/>
+          <a:p>
+            <a:r>
+              <a:rPr lang="en-US" dirty="0" smtClean="0"/>
+              <a:t>Demo – 3 Publish Subscribe</a:t>
+            </a:r>
+            <a:endParaRPr lang="en-US" dirty="0"/>
+          </a:p>
+        </p:txBody>
+      </p:sp>
+      <p:sp>
+        <p:nvSpPr>
+          <p:cNvPr id="3" name="Content Placeholder 2"/>
+          <p:cNvSpPr>
+            <a:spLocks noGrp="1"/>
+          </p:cNvSpPr>
+          <p:nvPr>
+            <p:ph idx="1"/>
+          </p:nvPr>
+        </p:nvSpPr>
+        <p:spPr>
+          <a:xfrm>
+            <a:off x="301624" y="11545487"/>
+            <a:ext cx="5111827" cy="702210"/>
+          </a:xfrm>
+        </p:spPr>
+        <p:txBody>
+          <a:bodyPr/>
+          <a:lstStyle/>
+          <a:p>
+            <a:pPr>
+              <a:buFont typeface="Arial" panose="020B0604020202020204" pitchFamily="34" charset="0"/>
+              <a:buChar char="•"/>
+            </a:pPr>
+            <a:r>
+              <a:rPr lang="en-US" dirty="0" smtClean="0"/>
+              <a:t>High-Speed</a:t>
+            </a:r>
+          </a:p>
+          <a:p>
+            <a:pPr>
+              <a:buFont typeface="Arial" panose="020B0604020202020204" pitchFamily="34" charset="0"/>
+              <a:buChar char="•"/>
+            </a:pPr>
+            <a:r>
+              <a:rPr lang="en-US" dirty="0" smtClean="0"/>
+              <a:t>Asynchronous</a:t>
+            </a:r>
+          </a:p>
+          <a:p>
+            <a:pPr>
+              <a:buFont typeface="Arial" panose="020B0604020202020204" pitchFamily="34" charset="0"/>
+              <a:buChar char="•"/>
+            </a:pPr>
+            <a:r>
+              <a:rPr lang="en-US" dirty="0" smtClean="0"/>
+              <a:t>Program-to-Program communication</a:t>
+            </a:r>
+          </a:p>
+          <a:p>
+            <a:pPr>
+              <a:buFont typeface="Arial" panose="020B0604020202020204" pitchFamily="34" charset="0"/>
+              <a:buChar char="•"/>
+            </a:pPr>
+            <a:r>
+              <a:rPr lang="en-US" dirty="0" smtClean="0"/>
+              <a:t>Reliable</a:t>
+            </a:r>
+          </a:p>
+          <a:p>
+            <a:endParaRPr lang="en-US" dirty="0"/>
+          </a:p>
+        </p:txBody>
+      </p:sp>
+      <p:sp>
+        <p:nvSpPr>
+          <p:cNvPr id="5" name="TextBox 4"/>
+          <p:cNvSpPr txBox="1"/>
+          <p:nvPr/>
+        </p:nvSpPr>
+        <p:spPr>
+          <a:xfrm>
+            <a:off x="463550" y="9672523"/>
+            <a:ext cx="31912576" cy="261610"/>
+          </a:xfrm>
+          <a:prstGeom prst="rect">
+            <a:avLst/>
+          </a:prstGeom>
+          <a:noFill/>
+        </p:spPr>
+        <p:txBody>
+          <a:bodyPr wrap="square" rtlCol="0">
+            <a:spAutoFit/>
+          </a:bodyPr>
+          <a:lstStyle/>
+          <a:p>
+            <a:r>
+              <a:rPr lang="en-US" sz="1100" dirty="0" smtClean="0"/>
+              <a:t>*</a:t>
+            </a:r>
+            <a:r>
+              <a:rPr lang="en-US" sz="1100" dirty="0" err="1" smtClean="0"/>
+              <a:t>Hohpe</a:t>
+            </a:r>
+            <a:r>
+              <a:rPr lang="en-US" sz="1100" dirty="0" smtClean="0"/>
+              <a:t>, </a:t>
+            </a:r>
+            <a:r>
+              <a:rPr lang="en-US" sz="1100" dirty="0" err="1" smtClean="0"/>
+              <a:t>Gregor</a:t>
+            </a:r>
+            <a:r>
+              <a:rPr lang="en-US" sz="1100" dirty="0" smtClean="0"/>
+              <a:t>, </a:t>
+            </a:r>
+            <a:r>
+              <a:rPr lang="en-US" sz="1100" i="1" dirty="0" smtClean="0"/>
+              <a:t>Enterprise Integration: </a:t>
+            </a:r>
+            <a:r>
+              <a:rPr lang="en-US" sz="1100" dirty="0" smtClean="0"/>
+              <a:t>Addison-</a:t>
+            </a:r>
+            <a:r>
+              <a:rPr lang="en-US" sz="1100" dirty="0" err="1" smtClean="0"/>
+              <a:t>Weesley</a:t>
+            </a:r>
+            <a:r>
+              <a:rPr lang="en-US" sz="1100" dirty="0" smtClean="0"/>
+              <a:t>, 2004, Print.</a:t>
+            </a:r>
+            <a:endParaRPr lang="en-US" sz="1100" dirty="0"/>
           </a:p>
         </p:txBody>
       </p:sp>
@@ -8195,7 +10051,12 @@
             <p:ph idx="1"/>
           </p:nvPr>
         </p:nvSpPr>
-        <p:spPr/>
+        <p:spPr>
+          <a:xfrm>
+            <a:off x="381000" y="2286000"/>
+            <a:ext cx="8229600" cy="3733800"/>
+          </a:xfrm>
+        </p:spPr>
         <p:txBody>
           <a:bodyPr/>
           <a:lstStyle/>
@@ -8247,14 +10108,47 @@
             <p:ph type="subTitle" idx="10"/>
           </p:nvPr>
         </p:nvSpPr>
-        <p:spPr/>
+        <p:spPr>
+          <a:xfrm>
+            <a:off x="381000" y="1219200"/>
+            <a:ext cx="7543800" cy="1066800"/>
+          </a:xfrm>
+        </p:spPr>
         <p:txBody>
           <a:bodyPr/>
           <a:lstStyle/>
           <a:p>
             <a:r>
               <a:rPr lang="en-US" dirty="0" smtClean="0"/>
-              <a:t>Messaging is an integration approach</a:t>
+              <a:t>Messaging is an </a:t>
+            </a:r>
+            <a:r>
+              <a:rPr lang="en-US" i="1" dirty="0" smtClean="0"/>
+              <a:t>asynchronous</a:t>
+            </a:r>
+            <a:r>
+              <a:rPr lang="en-US" dirty="0" smtClean="0"/>
+              <a:t> </a:t>
+            </a:r>
+            <a:r>
+              <a:rPr lang="en-US" i="1" dirty="0" smtClean="0"/>
+              <a:t>reliable</a:t>
+            </a:r>
+            <a:r>
+              <a:rPr lang="en-US" dirty="0" smtClean="0"/>
+              <a:t> </a:t>
+            </a:r>
+            <a:r>
+              <a:rPr lang="en-US" i="1" dirty="0" smtClean="0"/>
+              <a:t>point-to-point</a:t>
+            </a:r>
+            <a:r>
+              <a:rPr lang="en-US" dirty="0" smtClean="0"/>
+              <a:t> approach to integration </a:t>
+            </a:r>
+            <a:r>
+              <a:rPr lang="en-US" dirty="0" smtClean="0"/>
+              <a:t>approach</a:t>
             </a:r>
             <a:endParaRPr lang="en-US" dirty="0"/>
           </a:p>
@@ -8311,8 +10205,8 @@
               <a:t>What - </a:t>
             </a:r>
             <a:r>
-              <a:rPr lang="en-US" dirty="0" err="1" smtClean="0"/>
-              <a:t>Asyncronous</a:t>
+              <a:rPr lang="en-US" dirty="0" smtClean="0"/>
+              <a:t>Asynchronous</a:t>
             </a:r>
             <a:endParaRPr lang="en-US" dirty="0"/>
           </a:p>
@@ -8567,6 +10461,67 @@
           </a:p>
         </p:txBody>
       </p:sp>
+      <p:sp>
+        <p:nvSpPr>
+          <p:cNvPr id="10" name="TextBox 9"/>
+          <p:cNvSpPr txBox="1"/>
+          <p:nvPr/>
+        </p:nvSpPr>
+        <p:spPr>
+          <a:xfrm>
+            <a:off x="4641767" y="4767106"/>
+            <a:ext cx="2603666" cy="307777"/>
+          </a:xfrm>
+          <a:prstGeom prst="rect">
+            <a:avLst/>
+          </a:prstGeom>
+          <a:noFill/>
+        </p:spPr>
+        <p:txBody>
+          <a:bodyPr wrap="square" rtlCol="0">
+            <a:spAutoFit/>
+          </a:bodyPr>
+          <a:lstStyle/>
+          <a:p>
+            <a:r>
+              <a:rPr lang="en-US" sz="1400" dirty="0" smtClean="0"/>
+              <a:t>Low temporal coupling</a:t>
+            </a:r>
+            <a:endParaRPr lang="en-US" sz="1400" dirty="0"/>
+          </a:p>
+        </p:txBody>
+      </p:sp>
+      <p:sp>
+        <p:nvSpPr>
+          <p:cNvPr id="11" name="TextBox 10"/>
+          <p:cNvSpPr txBox="1"/>
+          <p:nvPr/>
+        </p:nvSpPr>
+        <p:spPr>
+          <a:xfrm>
+            <a:off x="907968" y="4753271"/>
+            <a:ext cx="2603666" cy="307777"/>
+          </a:xfrm>
+          <a:prstGeom prst="rect">
+            <a:avLst/>
+          </a:prstGeom>
+          <a:noFill/>
+        </p:spPr>
+        <p:txBody>
+          <a:bodyPr wrap="square" rtlCol="0">
+            <a:spAutoFit/>
+          </a:bodyPr>
+          <a:lstStyle/>
+          <a:p>
+            <a:pPr algn="ctr"/>
+            <a:r>
+              <a:rPr lang="en-US" sz="1400" dirty="0" smtClean="0"/>
+              <a:t>High temporal coupling</a:t>
+            </a:r>
+            <a:endParaRPr lang="en-US" sz="1400" dirty="0"/>
+          </a:p>
+        </p:txBody>
+      </p:sp>
     </p:spTree>
     <p:extLst>
       <p:ext uri="{BB962C8B-B14F-4D97-AF65-F5344CB8AC3E}">
@@ -8780,7 +10735,7 @@
         </p:blipFill>
         <p:spPr bwMode="auto">
           <a:xfrm>
-            <a:off x="304800" y="1169985"/>
+            <a:off x="304800" y="1438274"/>
             <a:ext cx="5629275" cy="1762126"/>
           </a:xfrm>
           <a:prstGeom prst="rect">
@@ -8821,7 +10776,7 @@
         </p:blipFill>
         <p:spPr bwMode="auto">
           <a:xfrm>
-            <a:off x="381000" y="3581400"/>
+            <a:off x="377042" y="3766066"/>
             <a:ext cx="5638800" cy="3057526"/>
           </a:xfrm>
           <a:prstGeom prst="rect">
@@ -8839,6 +10794,66 @@
           </a:extLst>
         </p:spPr>
       </p:pic>
+      <p:sp>
+        <p:nvSpPr>
+          <p:cNvPr id="3" name="TextBox 2"/>
+          <p:cNvSpPr txBox="1"/>
+          <p:nvPr/>
+        </p:nvSpPr>
+        <p:spPr>
+          <a:xfrm>
+            <a:off x="304800" y="1253608"/>
+            <a:ext cx="1981200" cy="369332"/>
+          </a:xfrm>
+          <a:prstGeom prst="rect">
+            <a:avLst/>
+          </a:prstGeom>
+          <a:noFill/>
+        </p:spPr>
+        <p:txBody>
+          <a:bodyPr wrap="square" rtlCol="0">
+            <a:spAutoFit/>
+          </a:bodyPr>
+          <a:lstStyle/>
+          <a:p>
+            <a:r>
+              <a:rPr lang="en-US" dirty="0" smtClean="0"/>
+              <a:t>One way Send</a:t>
+            </a:r>
+            <a:endParaRPr lang="en-US" dirty="0"/>
+          </a:p>
+        </p:txBody>
+      </p:sp>
+      <p:sp>
+        <p:nvSpPr>
+          <p:cNvPr id="7" name="TextBox 6"/>
+          <p:cNvSpPr txBox="1"/>
+          <p:nvPr/>
+        </p:nvSpPr>
+        <p:spPr>
+          <a:xfrm>
+            <a:off x="304800" y="3581400"/>
+            <a:ext cx="2235530" cy="369332"/>
+          </a:xfrm>
+          <a:prstGeom prst="rect">
+            <a:avLst/>
+          </a:prstGeom>
+          <a:noFill/>
+        </p:spPr>
+        <p:txBody>
+          <a:bodyPr wrap="square" rtlCol="0">
+            <a:spAutoFit/>
+          </a:bodyPr>
+          <a:lstStyle/>
+          <a:p>
+            <a:r>
+              <a:rPr lang="en-US" dirty="0" smtClean="0"/>
+              <a:t>Publish / Subscribe</a:t>
+            </a:r>
+            <a:endParaRPr lang="en-US" dirty="0"/>
+          </a:p>
+        </p:txBody>
+      </p:sp>
     </p:spTree>
     <p:extLst>
       <p:ext uri="{BB962C8B-B14F-4D97-AF65-F5344CB8AC3E}">
@@ -8887,7 +10902,7 @@
           <a:p>
             <a:r>
               <a:rPr lang="en-US" dirty="0" smtClean="0"/>
-              <a:t>What</a:t>
+              <a:t>Why user Messaging. </a:t>
             </a:r>
             <a:endParaRPr lang="en-US" dirty="0"/>
           </a:p>
@@ -8903,12 +10918,7 @@
             <p:ph idx="1"/>
           </p:nvPr>
         </p:nvSpPr>
-        <p:spPr>
-          <a:xfrm>
-            <a:off x="314959" y="1828800"/>
-            <a:ext cx="6434456" cy="1600200"/>
-          </a:xfrm>
-        </p:spPr>
+        <p:spPr/>
         <p:txBody>
           <a:bodyPr/>
           <a:lstStyle/>
@@ -8919,9 +10929,8 @@
             </a:pPr>
             <a:r>
               <a:rPr lang="en-US" dirty="0" smtClean="0"/>
-              <a:t>Asynchronous</a:t>
-            </a:r>
-            <a:endParaRPr lang="en-US" dirty="0" smtClean="0"/>
+              <a:t>Remote Communication – Enable communication between two processes so the processes don’t have to.</a:t>
+            </a:r>
           </a:p>
           <a:p>
             <a:pPr>
@@ -8930,7 +10939,7 @@
             </a:pPr>
             <a:r>
               <a:rPr lang="en-US" dirty="0" smtClean="0"/>
-              <a:t>Program-to-Program communication</a:t>
+              <a:t>Processes can function on their own time</a:t>
             </a:r>
           </a:p>
           <a:p>
@@ -8940,308 +10949,54 @@
             </a:pPr>
             <a:r>
               <a:rPr lang="en-US" dirty="0" smtClean="0"/>
+              <a:t>Throttling – Receiver can control consumption rate.</a:t>
+            </a:r>
+          </a:p>
+          <a:p>
+            <a:pPr>
+              <a:buFont typeface="Arial" panose="020B0604020202020204" pitchFamily="34" charset="0"/>
+              <a:buChar char="•"/>
+            </a:pPr>
+            <a:r>
+              <a:rPr lang="en-US" dirty="0" smtClean="0"/>
               <a:t>Reliable</a:t>
             </a:r>
           </a:p>
           <a:p>
+            <a:pPr>
+              <a:buFont typeface="Arial" panose="020B0604020202020204" pitchFamily="34" charset="0"/>
+              <a:buChar char="•"/>
+            </a:pPr>
+            <a:r>
+              <a:rPr lang="en-US" dirty="0" smtClean="0"/>
+              <a:t>Disconnected operation</a:t>
+            </a:r>
+          </a:p>
+          <a:p>
+            <a:pPr>
+              <a:buFont typeface="Arial" panose="020B0604020202020204" pitchFamily="34" charset="0"/>
+              <a:buChar char="•"/>
+            </a:pPr>
+            <a:r>
+              <a:rPr lang="en-US" dirty="0" smtClean="0"/>
+              <a:t>Mediation</a:t>
+            </a:r>
+          </a:p>
+          <a:p>
+            <a:endParaRPr lang="en-US" dirty="0" smtClean="0"/>
+          </a:p>
+          <a:p>
+            <a:endParaRPr lang="en-US" dirty="0" smtClean="0"/>
+          </a:p>
+          <a:p>
             <a:endParaRPr lang="en-US" dirty="0"/>
-          </a:p>
-        </p:txBody>
-      </p:sp>
-      <p:sp>
-        <p:nvSpPr>
-          <p:cNvPr id="4" name="Subtitle 3"/>
-          <p:cNvSpPr>
-            <a:spLocks noGrp="1"/>
-          </p:cNvSpPr>
-          <p:nvPr>
-            <p:ph type="subTitle" idx="10"/>
-          </p:nvPr>
-        </p:nvSpPr>
-        <p:spPr>
-          <a:xfrm>
-            <a:off x="286384" y="1269227"/>
-            <a:ext cx="8171816" cy="685800"/>
-          </a:xfrm>
-        </p:spPr>
-        <p:txBody>
-          <a:bodyPr/>
-          <a:lstStyle/>
-          <a:p>
-            <a:r>
-              <a:rPr lang="en-US" dirty="0" smtClean="0"/>
-              <a:t>What is Messaging*</a:t>
-            </a:r>
-            <a:endParaRPr lang="en-US" dirty="0"/>
-          </a:p>
-        </p:txBody>
-      </p:sp>
-      <p:sp>
-        <p:nvSpPr>
-          <p:cNvPr id="5" name="TextBox 4"/>
-          <p:cNvSpPr txBox="1"/>
-          <p:nvPr/>
-        </p:nvSpPr>
-        <p:spPr>
-          <a:xfrm>
-            <a:off x="271144" y="6207597"/>
-            <a:ext cx="31912576" cy="261610"/>
-          </a:xfrm>
-          <a:prstGeom prst="rect">
-            <a:avLst/>
-          </a:prstGeom>
-          <a:noFill/>
-        </p:spPr>
-        <p:txBody>
-          <a:bodyPr wrap="square" rtlCol="0">
-            <a:spAutoFit/>
-          </a:bodyPr>
-          <a:lstStyle/>
-          <a:p>
-            <a:r>
-              <a:rPr lang="en-US" sz="1100" dirty="0" smtClean="0"/>
-              <a:t>*</a:t>
-            </a:r>
-            <a:r>
-              <a:rPr lang="en-US" sz="1100" dirty="0" err="1" smtClean="0"/>
-              <a:t>Hohpe</a:t>
-            </a:r>
-            <a:r>
-              <a:rPr lang="en-US" sz="1100" dirty="0" smtClean="0"/>
-              <a:t>, </a:t>
-            </a:r>
-            <a:r>
-              <a:rPr lang="en-US" sz="1100" dirty="0" err="1" smtClean="0"/>
-              <a:t>Gregor</a:t>
-            </a:r>
-            <a:r>
-              <a:rPr lang="en-US" sz="1100" dirty="0" smtClean="0"/>
-              <a:t>, </a:t>
-            </a:r>
-            <a:r>
-              <a:rPr lang="en-US" sz="1100" i="1" dirty="0" smtClean="0"/>
-              <a:t>Enterprise Integration: </a:t>
-            </a:r>
-            <a:r>
-              <a:rPr lang="en-US" sz="1100" dirty="0" smtClean="0"/>
-              <a:t>Addison-</a:t>
-            </a:r>
-            <a:r>
-              <a:rPr lang="en-US" sz="1100" dirty="0" err="1" smtClean="0"/>
-              <a:t>Weesley</a:t>
-            </a:r>
-            <a:r>
-              <a:rPr lang="en-US" sz="1100" dirty="0" smtClean="0"/>
-              <a:t>, 2004, Print.</a:t>
-            </a:r>
-            <a:endParaRPr lang="en-US" sz="1100" dirty="0"/>
-          </a:p>
-        </p:txBody>
-      </p:sp>
-      <p:sp>
-        <p:nvSpPr>
-          <p:cNvPr id="10" name="Content Placeholder 2"/>
-          <p:cNvSpPr txBox="1">
-            <a:spLocks/>
-          </p:cNvSpPr>
-          <p:nvPr/>
-        </p:nvSpPr>
-        <p:spPr bwMode="auto">
-          <a:xfrm>
-            <a:off x="271144" y="4543124"/>
-            <a:ext cx="6434456" cy="381000"/>
-          </a:xfrm>
-          <a:prstGeom prst="rect">
-            <a:avLst/>
-          </a:prstGeom>
-          <a:noFill/>
-          <a:ln w="9525">
-            <a:noFill/>
-            <a:miter lim="800000"/>
-            <a:headEnd/>
-            <a:tailEnd/>
-          </a:ln>
-        </p:spPr>
-        <p:txBody>
-          <a:bodyPr vert="horz" wrap="square" lIns="91440" tIns="45720" rIns="91440" bIns="45720" numCol="1" anchor="t" anchorCtr="0" compatLnSpc="1">
-            <a:prstTxWarp prst="textNoShape">
-              <a:avLst/>
-            </a:prstTxWarp>
-          </a:bodyPr>
-          <a:lstStyle>
-            <a:lvl1pPr marL="342900" indent="-342900" algn="l" defTabSz="-13873163" rtl="0" eaLnBrk="0" fontAlgn="base" hangingPunct="0">
-              <a:spcBef>
-                <a:spcPct val="20000"/>
-              </a:spcBef>
-              <a:spcAft>
-                <a:spcPct val="0"/>
-              </a:spcAft>
-              <a:buClr>
-                <a:srgbClr val="D8771F"/>
-              </a:buClr>
-              <a:defRPr sz="2400" b="0">
-                <a:solidFill>
-                  <a:srgbClr val="31668B"/>
-                </a:solidFill>
-                <a:latin typeface="+mn-lt"/>
-                <a:ea typeface="+mn-ea"/>
-                <a:cs typeface="+mn-cs"/>
-              </a:defRPr>
-            </a:lvl1pPr>
-            <a:lvl2pPr marL="742950" indent="-285750" algn="l" defTabSz="-13873163" rtl="0" eaLnBrk="0" fontAlgn="base" hangingPunct="0">
-              <a:spcBef>
-                <a:spcPct val="20000"/>
-              </a:spcBef>
-              <a:spcAft>
-                <a:spcPct val="0"/>
-              </a:spcAft>
-              <a:buClr>
-                <a:srgbClr val="D8771F"/>
-              </a:buClr>
-              <a:buChar char="•"/>
-              <a:defRPr sz="2000">
-                <a:solidFill>
-                  <a:srgbClr val="5F5F5F"/>
-                </a:solidFill>
-                <a:latin typeface="+mn-lt"/>
-              </a:defRPr>
-            </a:lvl2pPr>
-            <a:lvl3pPr marL="1143000" indent="-228600" algn="l" defTabSz="-13873163" rtl="0" eaLnBrk="0" fontAlgn="base" hangingPunct="0">
-              <a:spcBef>
-                <a:spcPct val="20000"/>
-              </a:spcBef>
-              <a:spcAft>
-                <a:spcPct val="0"/>
-              </a:spcAft>
-              <a:buClr>
-                <a:srgbClr val="D8771F"/>
-              </a:buClr>
-              <a:buChar char="•"/>
-              <a:defRPr sz="1800">
-                <a:solidFill>
-                  <a:srgbClr val="5F5F5F"/>
-                </a:solidFill>
-                <a:latin typeface="+mn-lt"/>
-              </a:defRPr>
-            </a:lvl3pPr>
-            <a:lvl4pPr marL="1600200" indent="-228600" algn="l" defTabSz="-13873163" rtl="0" eaLnBrk="0" fontAlgn="base" hangingPunct="0">
-              <a:spcBef>
-                <a:spcPct val="20000"/>
-              </a:spcBef>
-              <a:spcAft>
-                <a:spcPct val="0"/>
-              </a:spcAft>
-              <a:buClr>
-                <a:srgbClr val="D8771F"/>
-              </a:buClr>
-              <a:buChar char="•"/>
-              <a:defRPr>
-                <a:solidFill>
-                  <a:srgbClr val="5F5F5F"/>
-                </a:solidFill>
-                <a:latin typeface="+mn-lt"/>
-              </a:defRPr>
-            </a:lvl4pPr>
-            <a:lvl5pPr marL="2057400" indent="-228600" algn="l" defTabSz="-13873163" rtl="0" eaLnBrk="0" fontAlgn="base" hangingPunct="0">
-              <a:spcBef>
-                <a:spcPct val="20000"/>
-              </a:spcBef>
-              <a:spcAft>
-                <a:spcPct val="0"/>
-              </a:spcAft>
-              <a:buClr>
-                <a:srgbClr val="D8771F"/>
-              </a:buClr>
-              <a:buChar char="•"/>
-              <a:defRPr sz="1600">
-                <a:solidFill>
-                  <a:srgbClr val="5F5F5F"/>
-                </a:solidFill>
-                <a:latin typeface="+mn-lt"/>
-              </a:defRPr>
-            </a:lvl5pPr>
-            <a:lvl6pPr marL="2514600" indent="-228600" algn="l" fontAlgn="base">
-              <a:spcBef>
-                <a:spcPct val="20000"/>
-              </a:spcBef>
-              <a:spcAft>
-                <a:spcPct val="0"/>
-              </a:spcAft>
-              <a:buChar char="»"/>
-              <a:defRPr sz="2000">
-                <a:solidFill>
-                  <a:schemeClr val="tx1">
-                    <a:alpha val="100000"/>
-                  </a:schemeClr>
-                </a:solidFill>
-                <a:latin typeface="+mn-lt"/>
-              </a:defRPr>
-            </a:lvl6pPr>
-            <a:lvl7pPr marL="2971800" indent="-228600" algn="l" fontAlgn="base">
-              <a:spcBef>
-                <a:spcPct val="20000"/>
-              </a:spcBef>
-              <a:spcAft>
-                <a:spcPct val="0"/>
-              </a:spcAft>
-              <a:buChar char="»"/>
-              <a:defRPr sz="2000">
-                <a:solidFill>
-                  <a:schemeClr val="tx1">
-                    <a:alpha val="100000"/>
-                  </a:schemeClr>
-                </a:solidFill>
-                <a:latin typeface="+mn-lt"/>
-              </a:defRPr>
-            </a:lvl7pPr>
-            <a:lvl8pPr marL="3429000" indent="-228600" algn="l" fontAlgn="base">
-              <a:spcBef>
-                <a:spcPct val="20000"/>
-              </a:spcBef>
-              <a:spcAft>
-                <a:spcPct val="0"/>
-              </a:spcAft>
-              <a:buChar char="»"/>
-              <a:defRPr sz="2000">
-                <a:solidFill>
-                  <a:schemeClr val="tx1">
-                    <a:alpha val="100000"/>
-                  </a:schemeClr>
-                </a:solidFill>
-                <a:latin typeface="+mn-lt"/>
-              </a:defRPr>
-            </a:lvl8pPr>
-            <a:lvl9pPr marL="3886200" indent="-228600" algn="l" fontAlgn="base">
-              <a:spcBef>
-                <a:spcPct val="20000"/>
-              </a:spcBef>
-              <a:spcAft>
-                <a:spcPct val="0"/>
-              </a:spcAft>
-              <a:buChar char="»"/>
-              <a:defRPr sz="2000">
-                <a:solidFill>
-                  <a:schemeClr val="tx1">
-                    <a:alpha val="100000"/>
-                  </a:schemeClr>
-                </a:solidFill>
-                <a:latin typeface="+mn-lt"/>
-              </a:defRPr>
-            </a:lvl9pPr>
-          </a:lstStyle>
-          <a:p>
-            <a:pPr marL="0" indent="0"/>
-            <a:r>
-              <a:rPr lang="en-US" sz="1600" kern="0" dirty="0" smtClean="0"/>
-              <a:t>Note: the EIP book also says high-speed, but that is debatable.</a:t>
-            </a:r>
           </a:p>
         </p:txBody>
       </p:sp>
     </p:spTree>
     <p:extLst>
       <p:ext uri="{BB962C8B-B14F-4D97-AF65-F5344CB8AC3E}">
-        <p14:creationId xmlns:p14="http://schemas.microsoft.com/office/powerpoint/2010/main" val="3784127504"/>
+        <p14:creationId xmlns:p14="http://schemas.microsoft.com/office/powerpoint/2010/main" val="3113274749"/>
       </p:ext>
     </p:extLst>
   </p:cSld>
@@ -9286,7 +11041,7 @@
           <a:p>
             <a:r>
               <a:rPr lang="en-US" dirty="0" smtClean="0"/>
-              <a:t>Why</a:t>
+              <a:t>When</a:t>
             </a:r>
             <a:endParaRPr lang="en-US" dirty="0"/>
           </a:p>
@@ -9302,7 +11057,12 @@
             <p:ph idx="1"/>
           </p:nvPr>
         </p:nvSpPr>
-        <p:spPr/>
+        <p:spPr>
+          <a:xfrm>
+            <a:off x="152400" y="1295400"/>
+            <a:ext cx="8229600" cy="4800600"/>
+          </a:xfrm>
+        </p:spPr>
         <p:txBody>
           <a:bodyPr/>
           <a:lstStyle/>
@@ -9313,7 +11073,7 @@
             </a:pPr>
             <a:r>
               <a:rPr lang="en-US" dirty="0" smtClean="0"/>
-              <a:t>Remote Communication – Enable communication between two processes so the processes don’t have to.</a:t>
+              <a:t>Many systems to Integrate</a:t>
             </a:r>
           </a:p>
           <a:p>
@@ -9323,7 +11083,41 @@
             </a:pPr>
             <a:r>
               <a:rPr lang="en-US" dirty="0" smtClean="0"/>
-              <a:t>Processes can function on their own time</a:t>
+              <a:t>Long running processes</a:t>
+            </a:r>
+          </a:p>
+          <a:p>
+            <a:pPr lvl="1">
+              <a:buFont typeface="Arial" panose="020B0604020202020204" pitchFamily="34" charset="0"/>
+              <a:buChar char="•"/>
+            </a:pPr>
+            <a:r>
+              <a:rPr lang="en-US" dirty="0"/>
+              <a:t>	</a:t>
+            </a:r>
+            <a:r>
+              <a:rPr lang="en-US" dirty="0" smtClean="0"/>
+              <a:t>Video processing</a:t>
+            </a:r>
+          </a:p>
+          <a:p>
+            <a:pPr lvl="1">
+              <a:buFont typeface="Arial" panose="020B0604020202020204" pitchFamily="34" charset="0"/>
+              <a:buChar char="•"/>
+            </a:pPr>
+            <a:r>
+              <a:rPr lang="en-US" dirty="0" smtClean="0"/>
+              <a:t>	Database operation</a:t>
+            </a:r>
+          </a:p>
+          <a:p>
+            <a:pPr lvl="1">
+              <a:buFont typeface="Arial" panose="020B0604020202020204" pitchFamily="34" charset="0"/>
+              <a:buChar char="•"/>
+            </a:pPr>
+            <a:r>
+              <a:rPr lang="en-US" dirty="0" smtClean="0"/>
+              <a:t>	File operations</a:t>
             </a:r>
           </a:p>
           <a:p>
@@ -9333,7 +11127,11 @@
             </a:pPr>
             <a:r>
               <a:rPr lang="en-US" dirty="0" smtClean="0"/>
-              <a:t>Throttling – Receiver can control consumption rate.</a:t>
+              <a:t>Heterogeneous </a:t>
+            </a:r>
+            <a:r>
+              <a:rPr lang="en-US" dirty="0" smtClean="0"/>
+              <a:t>Platforms</a:t>
             </a:r>
           </a:p>
           <a:p>
@@ -9343,31 +11141,24 @@
             </a:pPr>
             <a:r>
               <a:rPr lang="en-US" dirty="0" smtClean="0"/>
-              <a:t>Reliable</a:t>
-            </a:r>
-          </a:p>
-          <a:p>
-            <a:pPr>
-              <a:buFont typeface="Arial" panose="020B0604020202020204" pitchFamily="34" charset="0"/>
-              <a:buChar char="•"/>
-            </a:pPr>
+              <a:t>Requirement for low temporal, </a:t>
+            </a:r>
+            <a:r>
+              <a:rPr lang="en-US" dirty="0"/>
+              <a:t>low spatial </a:t>
+            </a:r>
             <a:r>
               <a:rPr lang="en-US" dirty="0" smtClean="0"/>
-              <a:t>Disconnected operation</a:t>
-            </a:r>
-          </a:p>
-          <a:p>
-            <a:pPr>
-              <a:buFont typeface="Arial" panose="020B0604020202020204" pitchFamily="34" charset="0"/>
-              <a:buChar char="•"/>
-            </a:pPr>
+              <a:t>and </a:t>
+            </a:r>
+            <a:r>
+              <a:rPr lang="en-US" dirty="0"/>
+              <a:t>low platform </a:t>
+            </a:r>
             <a:r>
               <a:rPr lang="en-US" dirty="0" smtClean="0"/>
-              <a:t>Mediation</a:t>
-            </a:r>
-          </a:p>
-          <a:p>
-            <a:endParaRPr lang="en-US" dirty="0" smtClean="0"/>
+              <a:t>coupling</a:t>
+            </a:r>
           </a:p>
           <a:p>
             <a:endParaRPr lang="en-US" dirty="0" smtClean="0"/>
@@ -9380,7 +11171,7 @@
     </p:spTree>
     <p:extLst>
       <p:ext uri="{BB962C8B-B14F-4D97-AF65-F5344CB8AC3E}">
-        <p14:creationId xmlns:p14="http://schemas.microsoft.com/office/powerpoint/2010/main" val="3113274749"/>
+        <p14:creationId xmlns:p14="http://schemas.microsoft.com/office/powerpoint/2010/main" val="3796166909"/>
       </p:ext>
     </p:extLst>
   </p:cSld>
@@ -11302,15 +13093,6 @@
 </file>
 
 <file path=customXml/item1.xml><?xml version="1.0" encoding="utf-8"?>
-<?mso-contentType ?>
-<FormTemplates xmlns="http://schemas.microsoft.com/sharepoint/v3/contenttype/forms">
-  <Display>DocumentLibraryForm</Display>
-  <Edit>DocumentLibraryForm</Edit>
-  <New>DocumentLibraryForm</New>
-</FormTemplates>
-</file>
-
-<file path=customXml/item2.xml><?xml version="1.0" encoding="utf-8"?>
 <outs:outSpaceData xmlns:outs="http://schemas.microsoft.com/office/2009/outspace/metadata">
   <outs:relatedDates>
     <outs:relatedDate>
@@ -11472,7 +13254,31 @@
 </outs:outSpaceData>
 </file>
 
+<file path=customXml/item2.xml><?xml version="1.0" encoding="utf-8"?>
+<?mso-contentType ?>
+<FormTemplates xmlns="http://schemas.microsoft.com/sharepoint/v3/contenttype/forms">
+  <Display>DocumentLibraryForm</Display>
+  <Edit>DocumentLibraryForm</Edit>
+  <New>DocumentLibraryForm</New>
+</FormTemplates>
+</file>
+
 <file path=customXml/item3.xml><?xml version="1.0" encoding="utf-8"?>
+<LongProperties xmlns="http://schemas.microsoft.com/office/2006/metadata/longProperties"/>
+</file>
+
+<file path=customXml/item4.xml><?xml version="1.0" encoding="utf-8"?>
+<p:properties xmlns:p="http://schemas.microsoft.com/office/2006/metadata/properties" xmlns:xsi="http://www.w3.org/2001/XMLSchema-instance">
+  <documentManagement/>
+</p:properties>
+</file>
+
+<file path=customXml/item5.xml><?xml version="1.0" encoding="utf-8"?>
+<?mso-contentType ?>
+<SharedContentType xmlns="Microsoft.SharePoint.Taxonomy.ContentTypeSync" SourceId="e2c0cd2f-cd40-4e12-9eaa-d9296f5dc463" ContentTypeId="0x0101001EBD087C3133424A899E6470271AA16E" PreviousValue="false"/>
+</file>
+
+<file path=customXml/item6.xml><?xml version="1.0" encoding="utf-8"?>
 <ct:contentTypeSchema xmlns:ct="http://schemas.microsoft.com/office/2006/metadata/contentType" xmlns:ma="http://schemas.microsoft.com/office/2006/metadata/properties/metaAttributes" ct:_="" ma:_="" ma:contentTypeName="AIS Document" ma:contentTypeID="0x0101001EBD087C3133424A899E6470271AA16E00C2DA9E2EB613A244A92C4F77C701C9E5" ma:contentTypeVersion="6" ma:contentTypeDescription="" ma:contentTypeScope="" ma:versionID="804310a050016566f937941959fe7687">
   <xsd:schema xmlns:xsd="http://www.w3.org/2001/XMLSchema" xmlns:xs="http://www.w3.org/2001/XMLSchema" xmlns:p="http://schemas.microsoft.com/office/2006/metadata/properties" targetNamespace="http://schemas.microsoft.com/office/2006/metadata/properties" ma:root="true" ma:fieldsID="c64490b4aec6201516c3a874156f37b2">
     <xsd:element name="properties">
@@ -11586,22 +13392,15 @@
 </ct:contentTypeSchema>
 </file>
 
-<file path=customXml/item4.xml><?xml version="1.0" encoding="utf-8"?>
-<?mso-contentType ?>
-<SharedContentType xmlns="Microsoft.SharePoint.Taxonomy.ContentTypeSync" SourceId="e2c0cd2f-cd40-4e12-9eaa-d9296f5dc463" ContentTypeId="0x0101001EBD087C3133424A899E6470271AA16E" PreviousValue="false"/>
+<file path=customXml/itemProps1.xml><?xml version="1.0" encoding="utf-8"?>
+<ds:datastoreItem xmlns:ds="http://schemas.openxmlformats.org/officeDocument/2006/customXml" ds:itemID="{43C09C79-9A9B-40AC-9AB0-18C21E8226AA}">
+  <ds:schemaRefs>
+    <ds:schemaRef ds:uri="http://schemas.microsoft.com/office/2009/outspace/metadata"/>
+  </ds:schemaRefs>
+</ds:datastoreItem>
 </file>
 
-<file path=customXml/item5.xml><?xml version="1.0" encoding="utf-8"?>
-<p:properties xmlns:p="http://schemas.microsoft.com/office/2006/metadata/properties" xmlns:xsi="http://www.w3.org/2001/XMLSchema-instance">
-  <documentManagement/>
-</p:properties>
-</file>
-
-<file path=customXml/item6.xml><?xml version="1.0" encoding="utf-8"?>
-<LongProperties xmlns="http://schemas.microsoft.com/office/2006/metadata/longProperties"/>
-</file>
-
-<file path=customXml/itemProps1.xml><?xml version="1.0" encoding="utf-8"?>
+<file path=customXml/itemProps2.xml><?xml version="1.0" encoding="utf-8"?>
 <ds:datastoreItem xmlns:ds="http://schemas.openxmlformats.org/officeDocument/2006/customXml" ds:itemID="{36870CEA-11A3-4BD2-B1BD-102254715B09}">
   <ds:schemaRefs>
     <ds:schemaRef ds:uri="http://schemas.microsoft.com/sharepoint/v3/contenttype/forms"/>
@@ -11609,39 +13408,15 @@
 </ds:datastoreItem>
 </file>
 
-<file path=customXml/itemProps2.xml><?xml version="1.0" encoding="utf-8"?>
-<ds:datastoreItem xmlns:ds="http://schemas.openxmlformats.org/officeDocument/2006/customXml" ds:itemID="{43C09C79-9A9B-40AC-9AB0-18C21E8226AA}">
+<file path=customXml/itemProps3.xml><?xml version="1.0" encoding="utf-8"?>
+<ds:datastoreItem xmlns:ds="http://schemas.openxmlformats.org/officeDocument/2006/customXml" ds:itemID="{871AB8BD-C7C9-4452-B56A-7192DB02EACB}">
   <ds:schemaRefs>
-    <ds:schemaRef ds:uri="http://schemas.microsoft.com/office/2009/outspace/metadata"/>
-  </ds:schemaRefs>
-</ds:datastoreItem>
-</file>
-
-<file path=customXml/itemProps3.xml><?xml version="1.0" encoding="utf-8"?>
-<ds:datastoreItem xmlns:ds="http://schemas.openxmlformats.org/officeDocument/2006/customXml" ds:itemID="{21AEF679-FE9B-4CC0-9FCD-BD94F685D506}">
-  <ds:schemaRefs>
-    <ds:schemaRef ds:uri="http://schemas.microsoft.com/office/2006/metadata/contentType"/>
-    <ds:schemaRef ds:uri="http://schemas.microsoft.com/office/2006/metadata/properties/metaAttributes"/>
-    <ds:schemaRef ds:uri="http://www.w3.org/2001/XMLSchema"/>
-    <ds:schemaRef ds:uri="http://schemas.microsoft.com/office/2006/metadata/properties"/>
-    <ds:schemaRef ds:uri="http://schemas.openxmlformats.org/package/2006/metadata/core-properties"/>
-    <ds:schemaRef ds:uri="http://purl.org/dc/elements/1.1/"/>
-    <ds:schemaRef ds:uri="http://purl.org/dc/terms/"/>
-    <ds:schemaRef ds:uri="http://schemas.microsoft.com/internal/obd"/>
-    <ds:schemaRef ds:uri="http://schemas.microsoft.com/office/infopath/2007/PartnerControls"/>
+    <ds:schemaRef ds:uri="http://schemas.microsoft.com/office/2006/metadata/longProperties"/>
   </ds:schemaRefs>
 </ds:datastoreItem>
 </file>
 
 <file path=customXml/itemProps4.xml><?xml version="1.0" encoding="utf-8"?>
-<ds:datastoreItem xmlns:ds="http://schemas.openxmlformats.org/officeDocument/2006/customXml" ds:itemID="{175C1D2D-50BE-4C14-B757-C76BB3744327}">
-  <ds:schemaRefs>
-    <ds:schemaRef ds:uri="Microsoft.SharePoint.Taxonomy.ContentTypeSync"/>
-  </ds:schemaRefs>
-</ds:datastoreItem>
-</file>
-
-<file path=customXml/itemProps5.xml><?xml version="1.0" encoding="utf-8"?>
 <ds:datastoreItem xmlns:ds="http://schemas.openxmlformats.org/officeDocument/2006/customXml" ds:itemID="{CEBA407E-4187-44B1-AB57-A840954D6C8B}">
   <ds:schemaRefs>
     <ds:schemaRef ds:uri="http://purl.org/dc/terms/"/>
@@ -11656,10 +13431,26 @@
 </ds:datastoreItem>
 </file>
 
+<file path=customXml/itemProps5.xml><?xml version="1.0" encoding="utf-8"?>
+<ds:datastoreItem xmlns:ds="http://schemas.openxmlformats.org/officeDocument/2006/customXml" ds:itemID="{175C1D2D-50BE-4C14-B757-C76BB3744327}">
+  <ds:schemaRefs>
+    <ds:schemaRef ds:uri="Microsoft.SharePoint.Taxonomy.ContentTypeSync"/>
+  </ds:schemaRefs>
+</ds:datastoreItem>
+</file>
+
 <file path=customXml/itemProps6.xml><?xml version="1.0" encoding="utf-8"?>
-<ds:datastoreItem xmlns:ds="http://schemas.openxmlformats.org/officeDocument/2006/customXml" ds:itemID="{871AB8BD-C7C9-4452-B56A-7192DB02EACB}">
+<ds:datastoreItem xmlns:ds="http://schemas.openxmlformats.org/officeDocument/2006/customXml" ds:itemID="{21AEF679-FE9B-4CC0-9FCD-BD94F685D506}">
   <ds:schemaRefs>
-    <ds:schemaRef ds:uri="http://schemas.microsoft.com/office/2006/metadata/longProperties"/>
+    <ds:schemaRef ds:uri="http://schemas.microsoft.com/office/2006/metadata/contentType"/>
+    <ds:schemaRef ds:uri="http://schemas.microsoft.com/office/2006/metadata/properties/metaAttributes"/>
+    <ds:schemaRef ds:uri="http://www.w3.org/2001/XMLSchema"/>
+    <ds:schemaRef ds:uri="http://schemas.microsoft.com/office/2006/metadata/properties"/>
+    <ds:schemaRef ds:uri="http://schemas.openxmlformats.org/package/2006/metadata/core-properties"/>
+    <ds:schemaRef ds:uri="http://purl.org/dc/elements/1.1/"/>
+    <ds:schemaRef ds:uri="http://purl.org/dc/terms/"/>
+    <ds:schemaRef ds:uri="http://schemas.microsoft.com/internal/obd"/>
+    <ds:schemaRef ds:uri="http://schemas.microsoft.com/office/infopath/2007/PartnerControls"/>
   </ds:schemaRefs>
 </ds:datastoreItem>
 </file>
--- a/Presentation.pptx
+++ b/Presentation.pptx
@@ -912,15 +912,44 @@
               <a:rPr lang="en-US" baseline="0" dirty="0" err="1" smtClean="0"/>
               <a:t>RabbitMQ</a:t>
             </a:r>
+            <a:endParaRPr lang="en-US" baseline="0" dirty="0" smtClean="0"/>
+          </a:p>
+          <a:p>
             <a:r>
               <a:rPr lang="en-US" baseline="0" dirty="0" smtClean="0"/>
-              <a:t> In </a:t>
-            </a:r>
-            <a:r>
-              <a:rPr lang="en-US" baseline="0" smtClean="0"/>
-              <a:t>the Cloud</a:t>
-            </a:r>
-            <a:endParaRPr lang="en-US"/>
+              <a:t>Show the console</a:t>
+            </a:r>
+          </a:p>
+          <a:p>
+            <a:r>
+              <a:rPr lang="en-US" baseline="0" dirty="0" smtClean="0"/>
+              <a:t>Create the 2 shell project</a:t>
+            </a:r>
+          </a:p>
+          <a:p>
+            <a:r>
+              <a:rPr lang="en-US" baseline="0" dirty="0" smtClean="0"/>
+              <a:t>Install </a:t>
+            </a:r>
+            <a:r>
+              <a:rPr lang="en-US" baseline="0" dirty="0" err="1" smtClean="0"/>
+              <a:t>RabbitMQ</a:t>
+            </a:r>
+            <a:r>
+              <a:rPr lang="en-US" baseline="0" dirty="0" smtClean="0"/>
+              <a:t> .</a:t>
+            </a:r>
+            <a:r>
+              <a:rPr lang="en-US" baseline="0" dirty="0" err="1" smtClean="0"/>
+              <a:t>Nuget</a:t>
+            </a:r>
+            <a:r>
+              <a:rPr lang="en-US" baseline="0" dirty="0" smtClean="0"/>
+              <a:t> packages</a:t>
+            </a:r>
+          </a:p>
+          <a:p>
+            <a:endParaRPr lang="en-US" dirty="0"/>
           </a:p>
         </p:txBody>
       </p:sp>
@@ -7959,6 +7988,75 @@
                 <a:outerShdw dist="38100" dir="2700000" algn="bl" rotWithShape="0">
                   <a:schemeClr val="accent5"/>
                 </a:outerShdw>
+              </a:effectLst>
+            </a:endParaRPr>
+          </a:p>
+        </p:txBody>
+      </p:sp>
+      <p:sp>
+        <p:nvSpPr>
+          <p:cNvPr id="26" name="Rectangle 25"/>
+          <p:cNvSpPr/>
+          <p:nvPr/>
+        </p:nvSpPr>
+        <p:spPr>
+          <a:xfrm>
+            <a:off x="4659878" y="1380645"/>
+            <a:ext cx="864339" cy="523220"/>
+          </a:xfrm>
+          <a:prstGeom prst="rect">
+            <a:avLst/>
+          </a:prstGeom>
+          <a:noFill/>
+        </p:spPr>
+        <p:txBody>
+          <a:bodyPr wrap="none" lIns="91440" tIns="45720" rIns="91440" bIns="45720">
+            <a:spAutoFit/>
+          </a:bodyPr>
+          <a:lstStyle/>
+          <a:p>
+            <a:pPr algn="ctr"/>
+            <a:r>
+              <a:rPr lang="en-US" sz="2800" b="1" spc="50" dirty="0" err="1" smtClean="0">
+                <a:ln w="9525" cmpd="sng">
+                  <a:solidFill>
+                    <a:srgbClr val="00B050"/>
+                  </a:solidFill>
+                  <a:prstDash val="solid"/>
+                </a:ln>
+                <a:solidFill>
+                  <a:srgbClr val="70AD47">
+                    <a:tint val="1000"/>
+                  </a:srgbClr>
+                </a:solidFill>
+                <a:effectLst>
+                  <a:glow rad="38100">
+                    <a:schemeClr val="accent1">
+                      <a:alpha val="40000"/>
+                    </a:schemeClr>
+                  </a:glow>
+                </a:effectLst>
+              </a:rPr>
+              <a:t>Ack</a:t>
+            </a:r>
+            <a:endParaRPr lang="en-US" sz="2800" b="1" spc="50" dirty="0">
+              <a:ln w="9525" cmpd="sng">
+                <a:solidFill>
+                  <a:srgbClr val="00B050"/>
+                </a:solidFill>
+                <a:prstDash val="solid"/>
+              </a:ln>
+              <a:solidFill>
+                <a:srgbClr val="70AD47">
+                  <a:tint val="1000"/>
+                </a:srgbClr>
+              </a:solidFill>
+              <a:effectLst>
+                <a:glow rad="38100">
+                  <a:schemeClr val="accent1">
+                    <a:alpha val="40000"/>
+                  </a:schemeClr>
+                </a:glow>
               </a:effectLst>
             </a:endParaRPr>
           </a:p>
